--- a/IODware.pptx
+++ b/IODware.pptx
@@ -7,11 +7,16 @@
   <p:sldIdLst>
     <p:sldId id="256" r:id="rId2"/>
     <p:sldId id="257" r:id="rId3"/>
-    <p:sldId id="258" r:id="rId4"/>
-    <p:sldId id="259" r:id="rId5"/>
-    <p:sldId id="260" r:id="rId6"/>
-    <p:sldId id="261" r:id="rId7"/>
-    <p:sldId id="262" r:id="rId8"/>
+    <p:sldId id="265" r:id="rId4"/>
+    <p:sldId id="266" r:id="rId5"/>
+    <p:sldId id="267" r:id="rId6"/>
+    <p:sldId id="258" r:id="rId7"/>
+    <p:sldId id="259" r:id="rId8"/>
+    <p:sldId id="260" r:id="rId9"/>
+    <p:sldId id="261" r:id="rId10"/>
+    <p:sldId id="263" r:id="rId11"/>
+    <p:sldId id="264" r:id="rId12"/>
+    <p:sldId id="262" r:id="rId13"/>
   </p:sldIdLst>
   <p:sldSz cx="12192000" cy="6858000"/>
   <p:notesSz cx="6858000" cy="9144000"/>
@@ -110,6 +115,11 @@
       </a:defRPr>
     </a:lvl9pPr>
   </p:defaultTextStyle>
+  <p:extLst>
+    <p:ext uri="{EFAFB233-063F-42B5-8137-9DF3F51BA10A}">
+      <p15:sldGuideLst xmlns:p15="http://schemas.microsoft.com/office/powerpoint/2012/main"/>
+    </p:ext>
+  </p:extLst>
 </p:presentation>
 </file>
 
@@ -208,7 +218,7 @@
           <a:effectLst/>
           <a:extLst>
             <a:ext uri="{91240B29-F687-4f45-9708-019B960494DF}">
-              <a14:hiddenLine xmlns:a14="http://schemas.microsoft.com/office/drawing/2010/main" xmlns="" w="9525">
+              <a14:hiddenLine xmlns="" xmlns:a14="http://schemas.microsoft.com/office/drawing/2010/main" w="9525">
                 <a:solidFill>
                   <a:srgbClr val="000000"/>
                 </a:solidFill>
@@ -401,7 +411,7 @@
             <a:fld id="{08B9EBBA-996F-894A-B54A-D6246ED52CEA}" type="datetimeFigureOut">
               <a:rPr lang="en-US" dirty="0"/>
               <a:pPr/>
-              <a:t>6/20/2019</a:t>
+              <a:t>6/26/2019</a:t>
             </a:fld>
             <a:endParaRPr lang="en-US" dirty="0"/>
           </a:p>
@@ -716,7 +726,7 @@
             <a:fld id="{18C79C5D-2A6F-F04D-97DA-BEF2467B64E4}" type="datetimeFigureOut">
               <a:rPr lang="en-US" dirty="0"/>
               <a:pPr/>
-              <a:t>6/20/2019</a:t>
+              <a:t>6/26/2019</a:t>
             </a:fld>
             <a:endParaRPr lang="en-US" dirty="0"/>
           </a:p>
@@ -1201,7 +1211,7 @@
             <a:fld id="{8DFA1846-DA80-1C48-A609-854EA85C59AD}" type="datetimeFigureOut">
               <a:rPr lang="en-US" dirty="0"/>
               <a:pPr/>
-              <a:t>6/20/2019</a:t>
+              <a:t>6/26/2019</a:t>
             </a:fld>
             <a:endParaRPr lang="en-US" dirty="0"/>
           </a:p>
@@ -1567,7 +1577,7 @@
             <a:fld id="{FBF54567-0DE4-3F47-BF90-CB84690072F9}" type="datetimeFigureOut">
               <a:rPr lang="en-US" dirty="0"/>
               <a:pPr/>
-              <a:t>6/20/2019</a:t>
+              <a:t>6/26/2019</a:t>
             </a:fld>
             <a:endParaRPr lang="en-US" dirty="0"/>
           </a:p>
@@ -1718,7 +1728,7 @@
           <a:ln/>
           <a:extLst>
             <a:ext uri="{91240B29-F687-4f45-9708-019B960494DF}">
-              <a14:hiddenLine xmlns:a14="http://schemas.microsoft.com/office/drawing/2010/main" xmlns="" w="9525">
+              <a14:hiddenLine xmlns="" xmlns:a14="http://schemas.microsoft.com/office/drawing/2010/main" w="9525">
                 <a:solidFill>
                   <a:srgbClr val="000000"/>
                 </a:solidFill>
@@ -1837,7 +1847,7 @@
             <a:fld id="{C6C52C72-DE31-F449-A4ED-4C594FD91407}" type="datetimeFigureOut">
               <a:rPr lang="en-US" dirty="0"/>
               <a:pPr/>
-              <a:t>6/20/2019</a:t>
+              <a:t>6/26/2019</a:t>
             </a:fld>
             <a:endParaRPr lang="en-US" dirty="0"/>
           </a:p>
@@ -1990,7 +2000,7 @@
           <a:ln/>
           <a:extLst>
             <a:ext uri="{91240B29-F687-4f45-9708-019B960494DF}">
-              <a14:hiddenLine xmlns:a14="http://schemas.microsoft.com/office/drawing/2010/main" xmlns="" w="9525">
+              <a14:hiddenLine xmlns="" xmlns:a14="http://schemas.microsoft.com/office/drawing/2010/main" w="9525">
                 <a:solidFill>
                   <a:srgbClr val="000000"/>
                 </a:solidFill>
@@ -2119,7 +2129,7 @@
             <a:fld id="{ED62726E-379B-B349-9EED-81ED093FA806}" type="datetimeFigureOut">
               <a:rPr lang="en-US" dirty="0"/>
               <a:pPr/>
-              <a:t>6/20/2019</a:t>
+              <a:t>6/26/2019</a:t>
             </a:fld>
             <a:endParaRPr lang="en-US" dirty="0"/>
           </a:p>
@@ -2270,7 +2280,7 @@
           <a:ln/>
           <a:extLst>
             <a:ext uri="{91240B29-F687-4f45-9708-019B960494DF}">
-              <a14:hiddenLine xmlns:a14="http://schemas.microsoft.com/office/drawing/2010/main" xmlns="" w="9525">
+              <a14:hiddenLine xmlns="" xmlns:a14="http://schemas.microsoft.com/office/drawing/2010/main" w="9525">
                 <a:solidFill>
                   <a:srgbClr val="000000"/>
                 </a:solidFill>
@@ -2399,7 +2409,7 @@
             <a:fld id="{9B3A1323-8D79-1946-B0D7-40001CF92E9D}" type="datetimeFigureOut">
               <a:rPr lang="en-US" dirty="0"/>
               <a:pPr/>
-              <a:t>6/20/2019</a:t>
+              <a:t>6/26/2019</a:t>
             </a:fld>
             <a:endParaRPr lang="en-US" dirty="0"/>
           </a:p>
@@ -2739,7 +2749,7 @@
             <a:fld id="{8DFA1846-DA80-1C48-A609-854EA85C59AD}" type="datetimeFigureOut">
               <a:rPr lang="en-US" dirty="0"/>
               <a:pPr/>
-              <a:t>6/20/2019</a:t>
+              <a:t>6/26/2019</a:t>
             </a:fld>
             <a:endParaRPr lang="en-US" dirty="0"/>
           </a:p>
@@ -2890,7 +2900,7 @@
           <a:ln/>
           <a:extLst>
             <a:ext uri="{91240B29-F687-4f45-9708-019B960494DF}">
-              <a14:hiddenLine xmlns:a14="http://schemas.microsoft.com/office/drawing/2010/main" xmlns="" w="9525">
+              <a14:hiddenLine xmlns="" xmlns:a14="http://schemas.microsoft.com/office/drawing/2010/main" w="9525">
                 <a:solidFill>
                   <a:srgbClr val="000000"/>
                 </a:solidFill>
@@ -3075,7 +3085,7 @@
             <a:fld id="{57302355-E14B-8545-A8F8-0FE83CC9D524}" type="datetimeFigureOut">
               <a:rPr lang="en-US" dirty="0"/>
               <a:pPr/>
-              <a:t>6/20/2019</a:t>
+              <a:t>6/26/2019</a:t>
             </a:fld>
             <a:endParaRPr lang="en-US" dirty="0"/>
           </a:p>
@@ -3226,7 +3236,7 @@
           <a:ln/>
           <a:extLst>
             <a:ext uri="{91240B29-F687-4f45-9708-019B960494DF}">
-              <a14:hiddenLine xmlns:a14="http://schemas.microsoft.com/office/drawing/2010/main" xmlns="" w="9525">
+              <a14:hiddenLine xmlns="" xmlns:a14="http://schemas.microsoft.com/office/drawing/2010/main" w="9525">
                 <a:solidFill>
                   <a:srgbClr val="000000"/>
                 </a:solidFill>
@@ -3549,7 +3559,7 @@
             <a:fld id="{02640F58-564D-2B4F-AE67-E407BA4FCF45}" type="datetimeFigureOut">
               <a:rPr lang="en-US" dirty="0"/>
               <a:pPr/>
-              <a:t>6/20/2019</a:t>
+              <a:t>6/26/2019</a:t>
             </a:fld>
             <a:endParaRPr lang="en-US" dirty="0"/>
           </a:p>
@@ -3700,7 +3710,7 @@
           <a:ln/>
           <a:extLst>
             <a:ext uri="{91240B29-F687-4f45-9708-019B960494DF}">
-              <a14:hiddenLine xmlns:a14="http://schemas.microsoft.com/office/drawing/2010/main" xmlns="" w="9525">
+              <a14:hiddenLine xmlns="" xmlns:a14="http://schemas.microsoft.com/office/drawing/2010/main" w="9525">
                 <a:solidFill>
                   <a:srgbClr val="000000"/>
                 </a:solidFill>
@@ -3767,7 +3777,7 @@
             <a:fld id="{F13A34C8-038E-2045-AF43-DF7DBB8E0E9E}" type="datetimeFigureOut">
               <a:rPr lang="en-US" dirty="0"/>
               <a:pPr/>
-              <a:t>6/20/2019</a:t>
+              <a:t>6/26/2019</a:t>
             </a:fld>
             <a:endParaRPr lang="en-US" dirty="0"/>
           </a:p>
@@ -3859,7 +3869,7 @@
             <a:fld id="{8818C68F-D26B-8F47-958C-23B49CF8A634}" type="datetimeFigureOut">
               <a:rPr lang="en-US" dirty="0"/>
               <a:pPr/>
-              <a:t>6/20/2019</a:t>
+              <a:t>6/26/2019</a:t>
             </a:fld>
             <a:endParaRPr lang="en-US" dirty="0"/>
           </a:p>
@@ -4123,7 +4133,7 @@
           <a:ln/>
           <a:extLst>
             <a:ext uri="{91240B29-F687-4f45-9708-019B960494DF}">
-              <a14:hiddenLine xmlns:a14="http://schemas.microsoft.com/office/drawing/2010/main" xmlns="" w="9525">
+              <a14:hiddenLine xmlns="" xmlns:a14="http://schemas.microsoft.com/office/drawing/2010/main" w="9525">
                 <a:solidFill>
                   <a:srgbClr val="000000"/>
                 </a:solidFill>
@@ -4323,7 +4333,7 @@
             <a:fld id="{D0DF5E60-9974-AC48-9591-99C2BB44B7CF}" type="datetimeFigureOut">
               <a:rPr lang="en-US" dirty="0"/>
               <a:pPr/>
-              <a:t>6/20/2019</a:t>
+              <a:t>6/26/2019</a:t>
             </a:fld>
             <a:endParaRPr lang="en-US" dirty="0"/>
           </a:p>
@@ -4633,7 +4643,7 @@
             <a:fld id="{18C79C5D-2A6F-F04D-97DA-BEF2467B64E4}" type="datetimeFigureOut">
               <a:rPr lang="en-US" dirty="0"/>
               <a:pPr/>
-              <a:t>6/20/2019</a:t>
+              <a:t>6/26/2019</a:t>
             </a:fld>
             <a:endParaRPr lang="en-US" dirty="0"/>
           </a:p>
@@ -4900,7 +4910,7 @@
             <a:fld id="{09B482E8-6E0E-1B4F-B1FD-C69DB9E858D9}" type="datetimeFigureOut">
               <a:rPr lang="en-US" dirty="0"/>
               <a:pPr/>
-              <a:t>6/20/2019</a:t>
+              <a:t>6/26/2019</a:t>
             </a:fld>
             <a:endParaRPr lang="en-US" dirty="0"/>
           </a:p>
@@ -5473,6 +5483,357 @@
 </p:sld>
 </file>
 
+<file path=ppt/slides/slide10.xml><?xml version="1.0" encoding="utf-8"?>
+<p:sld xmlns:a="http://schemas.openxmlformats.org/drawingml/2006/main" xmlns:r="http://schemas.openxmlformats.org/officeDocument/2006/relationships" xmlns:p="http://schemas.openxmlformats.org/presentationml/2006/main">
+  <p:cSld>
+    <p:spTree>
+      <p:nvGrpSpPr>
+        <p:cNvPr id="1" name=""/>
+        <p:cNvGrpSpPr/>
+        <p:nvPr/>
+      </p:nvGrpSpPr>
+      <p:grpSpPr>
+        <a:xfrm>
+          <a:off x="0" y="0"/>
+          <a:ext cx="0" cy="0"/>
+          <a:chOff x="0" y="0"/>
+          <a:chExt cx="0" cy="0"/>
+        </a:xfrm>
+      </p:grpSpPr>
+      <p:sp>
+        <p:nvSpPr>
+          <p:cNvPr id="2" name="Título 1">
+            <a:extLst>
+              <a:ext uri="{FF2B5EF4-FFF2-40B4-BE49-F238E27FC236}">
+                <a16:creationId xmlns:a16="http://schemas.microsoft.com/office/drawing/2014/main" id="{17E34C5E-0366-4A76-AAAB-6E87F283EC4F}"/>
+              </a:ext>
+            </a:extLst>
+          </p:cNvPr>
+          <p:cNvSpPr>
+            <a:spLocks noGrp="1"/>
+          </p:cNvSpPr>
+          <p:nvPr>
+            <p:ph type="title"/>
+          </p:nvPr>
+        </p:nvSpPr>
+        <p:spPr/>
+        <p:txBody>
+          <a:bodyPr/>
+          <a:lstStyle/>
+          <a:p>
+            <a:r>
+              <a:rPr lang="pt-BR" dirty="0"/>
+              <a:t>Programa</a:t>
+            </a:r>
+          </a:p>
+        </p:txBody>
+      </p:sp>
+      <p:sp>
+        <p:nvSpPr>
+          <p:cNvPr id="3" name="Espaço Reservado para Conteúdo 2">
+            <a:extLst>
+              <a:ext uri="{FF2B5EF4-FFF2-40B4-BE49-F238E27FC236}">
+                <a16:creationId xmlns:a16="http://schemas.microsoft.com/office/drawing/2014/main" id="{3AA453CF-8F18-4D02-95BE-47B22480E8AD}"/>
+              </a:ext>
+            </a:extLst>
+          </p:cNvPr>
+          <p:cNvSpPr>
+            <a:spLocks noGrp="1"/>
+          </p:cNvSpPr>
+          <p:nvPr>
+            <p:ph idx="1"/>
+          </p:nvPr>
+        </p:nvSpPr>
+        <p:spPr/>
+        <p:txBody>
+          <a:bodyPr/>
+          <a:lstStyle/>
+          <a:p>
+            <a:endParaRPr lang="pt-BR" dirty="0"/>
+          </a:p>
+        </p:txBody>
+      </p:sp>
+      <p:pic>
+        <p:nvPicPr>
+          <p:cNvPr id="4" name="Imagem 3">
+            <a:extLst>
+              <a:ext uri="{FF2B5EF4-FFF2-40B4-BE49-F238E27FC236}">
+                <a16:creationId xmlns:a16="http://schemas.microsoft.com/office/drawing/2014/main" id="{DBDDBBFB-834A-4002-B37F-5354637966EF}"/>
+              </a:ext>
+            </a:extLst>
+          </p:cNvPr>
+          <p:cNvPicPr>
+            <a:picLocks noChangeAspect="1"/>
+          </p:cNvPicPr>
+          <p:nvPr/>
+        </p:nvPicPr>
+        <p:blipFill>
+          <a:blip r:embed="rId2"/>
+          <a:stretch>
+            <a:fillRect/>
+          </a:stretch>
+        </p:blipFill>
+        <p:spPr>
+          <a:xfrm>
+            <a:off x="1459444" y="2588268"/>
+            <a:ext cx="4185976" cy="2971831"/>
+          </a:xfrm>
+          <a:prstGeom prst="rect">
+            <a:avLst/>
+          </a:prstGeom>
+        </p:spPr>
+      </p:pic>
+      <p:pic>
+        <p:nvPicPr>
+          <p:cNvPr id="5" name="Imagem 4">
+            <a:extLst>
+              <a:ext uri="{FF2B5EF4-FFF2-40B4-BE49-F238E27FC236}">
+                <a16:creationId xmlns:a16="http://schemas.microsoft.com/office/drawing/2014/main" id="{86921B47-65AC-4AD4-A844-A9CFE0E25E78}"/>
+              </a:ext>
+            </a:extLst>
+          </p:cNvPr>
+          <p:cNvPicPr>
+            <a:picLocks noChangeAspect="1"/>
+          </p:cNvPicPr>
+          <p:nvPr/>
+        </p:nvPicPr>
+        <p:blipFill>
+          <a:blip r:embed="rId3"/>
+          <a:stretch>
+            <a:fillRect/>
+          </a:stretch>
+        </p:blipFill>
+        <p:spPr>
+          <a:xfrm>
+            <a:off x="6286151" y="2554626"/>
+            <a:ext cx="4282261" cy="3005473"/>
+          </a:xfrm>
+          <a:prstGeom prst="rect">
+            <a:avLst/>
+          </a:prstGeom>
+        </p:spPr>
+      </p:pic>
+    </p:spTree>
+    <p:extLst>
+      <p:ext uri="{BB962C8B-B14F-4D97-AF65-F5344CB8AC3E}">
+        <p14:creationId xmlns:p14="http://schemas.microsoft.com/office/powerpoint/2010/main" val="644742575"/>
+      </p:ext>
+    </p:extLst>
+  </p:cSld>
+  <p:clrMapOvr>
+    <a:masterClrMapping/>
+  </p:clrMapOvr>
+</p:sld>
+</file>
+
+<file path=ppt/slides/slide11.xml><?xml version="1.0" encoding="utf-8"?>
+<p:sld xmlns:a="http://schemas.openxmlformats.org/drawingml/2006/main" xmlns:r="http://schemas.openxmlformats.org/officeDocument/2006/relationships" xmlns:p="http://schemas.openxmlformats.org/presentationml/2006/main">
+  <p:cSld>
+    <p:spTree>
+      <p:nvGrpSpPr>
+        <p:cNvPr id="1" name=""/>
+        <p:cNvGrpSpPr/>
+        <p:nvPr/>
+      </p:nvGrpSpPr>
+      <p:grpSpPr>
+        <a:xfrm>
+          <a:off x="0" y="0"/>
+          <a:ext cx="0" cy="0"/>
+          <a:chOff x="0" y="0"/>
+          <a:chExt cx="0" cy="0"/>
+        </a:xfrm>
+      </p:grpSpPr>
+      <p:sp>
+        <p:nvSpPr>
+          <p:cNvPr id="2" name="Título 1">
+            <a:extLst>
+              <a:ext uri="{FF2B5EF4-FFF2-40B4-BE49-F238E27FC236}">
+                <a16:creationId xmlns:a16="http://schemas.microsoft.com/office/drawing/2014/main" id="{3AD08319-6D73-41EC-9351-6EEF2CCAA77B}"/>
+              </a:ext>
+            </a:extLst>
+          </p:cNvPr>
+          <p:cNvSpPr>
+            <a:spLocks noGrp="1"/>
+          </p:cNvSpPr>
+          <p:nvPr>
+            <p:ph type="title"/>
+          </p:nvPr>
+        </p:nvSpPr>
+        <p:spPr/>
+        <p:txBody>
+          <a:bodyPr/>
+          <a:lstStyle/>
+          <a:p>
+            <a:endParaRPr lang="pt-BR" dirty="0"/>
+          </a:p>
+        </p:txBody>
+      </p:sp>
+      <p:sp>
+        <p:nvSpPr>
+          <p:cNvPr id="3" name="Espaço Reservado para Conteúdo 2">
+            <a:extLst>
+              <a:ext uri="{FF2B5EF4-FFF2-40B4-BE49-F238E27FC236}">
+                <a16:creationId xmlns:a16="http://schemas.microsoft.com/office/drawing/2014/main" id="{58AA3E69-6620-41F3-8F0D-5ABAC139D7EE}"/>
+              </a:ext>
+            </a:extLst>
+          </p:cNvPr>
+          <p:cNvSpPr>
+            <a:spLocks noGrp="1"/>
+          </p:cNvSpPr>
+          <p:nvPr>
+            <p:ph idx="1"/>
+          </p:nvPr>
+        </p:nvSpPr>
+        <p:spPr/>
+        <p:txBody>
+          <a:bodyPr/>
+          <a:lstStyle/>
+          <a:p>
+            <a:endParaRPr lang="pt-BR" dirty="0"/>
+          </a:p>
+        </p:txBody>
+      </p:sp>
+      <p:pic>
+        <p:nvPicPr>
+          <p:cNvPr id="4" name="Imagem 3">
+            <a:extLst>
+              <a:ext uri="{FF2B5EF4-FFF2-40B4-BE49-F238E27FC236}">
+                <a16:creationId xmlns:a16="http://schemas.microsoft.com/office/drawing/2014/main" id="{1601541F-9EF4-4D33-9AD8-6476C203CB20}"/>
+              </a:ext>
+            </a:extLst>
+          </p:cNvPr>
+          <p:cNvPicPr>
+            <a:picLocks noChangeAspect="1"/>
+          </p:cNvPicPr>
+          <p:nvPr/>
+        </p:nvPicPr>
+        <p:blipFill>
+          <a:blip r:embed="rId2"/>
+          <a:stretch>
+            <a:fillRect/>
+          </a:stretch>
+        </p:blipFill>
+        <p:spPr>
+          <a:xfrm>
+            <a:off x="1338830" y="2517654"/>
+            <a:ext cx="4021736" cy="2840857"/>
+          </a:xfrm>
+          <a:prstGeom prst="rect">
+            <a:avLst/>
+          </a:prstGeom>
+        </p:spPr>
+      </p:pic>
+      <p:pic>
+        <p:nvPicPr>
+          <p:cNvPr id="5" name="Imagem 4">
+            <a:extLst>
+              <a:ext uri="{FF2B5EF4-FFF2-40B4-BE49-F238E27FC236}">
+                <a16:creationId xmlns:a16="http://schemas.microsoft.com/office/drawing/2014/main" id="{E9DB50B8-CE9B-4299-A6F5-3584E6F4CD74}"/>
+              </a:ext>
+            </a:extLst>
+          </p:cNvPr>
+          <p:cNvPicPr>
+            <a:picLocks noChangeAspect="1"/>
+          </p:cNvPicPr>
+          <p:nvPr/>
+        </p:nvPicPr>
+        <p:blipFill>
+          <a:blip r:embed="rId3"/>
+          <a:stretch>
+            <a:fillRect/>
+          </a:stretch>
+        </p:blipFill>
+        <p:spPr>
+          <a:xfrm>
+            <a:off x="6451133" y="2586309"/>
+            <a:ext cx="4085439" cy="2879000"/>
+          </a:xfrm>
+          <a:prstGeom prst="rect">
+            <a:avLst/>
+          </a:prstGeom>
+        </p:spPr>
+      </p:pic>
+    </p:spTree>
+    <p:extLst>
+      <p:ext uri="{BB962C8B-B14F-4D97-AF65-F5344CB8AC3E}">
+        <p14:creationId xmlns:p14="http://schemas.microsoft.com/office/powerpoint/2010/main" val="1993931600"/>
+      </p:ext>
+    </p:extLst>
+  </p:cSld>
+  <p:clrMapOvr>
+    <a:masterClrMapping/>
+  </p:clrMapOvr>
+</p:sld>
+</file>
+
+<file path=ppt/slides/slide12.xml><?xml version="1.0" encoding="utf-8"?>
+<p:sld xmlns:a="http://schemas.openxmlformats.org/drawingml/2006/main" xmlns:r="http://schemas.openxmlformats.org/officeDocument/2006/relationships" xmlns:p="http://schemas.openxmlformats.org/presentationml/2006/main">
+  <p:cSld>
+    <p:spTree>
+      <p:nvGrpSpPr>
+        <p:cNvPr id="1" name=""/>
+        <p:cNvGrpSpPr/>
+        <p:nvPr/>
+      </p:nvGrpSpPr>
+      <p:grpSpPr>
+        <a:xfrm>
+          <a:off x="0" y="0"/>
+          <a:ext cx="0" cy="0"/>
+          <a:chOff x="0" y="0"/>
+          <a:chExt cx="0" cy="0"/>
+        </a:xfrm>
+      </p:grpSpPr>
+      <p:sp>
+        <p:nvSpPr>
+          <p:cNvPr id="6" name="CaixaDeTexto 5">
+            <a:extLst>
+              <a:ext uri="{FF2B5EF4-FFF2-40B4-BE49-F238E27FC236}">
+                <a16:creationId xmlns:a16="http://schemas.microsoft.com/office/drawing/2014/main" id="{765E9170-7A3E-4989-97A8-4613C3B7BCA8}"/>
+              </a:ext>
+            </a:extLst>
+          </p:cNvPr>
+          <p:cNvSpPr txBox="1"/>
+          <p:nvPr/>
+        </p:nvSpPr>
+        <p:spPr>
+          <a:xfrm>
+            <a:off x="2416029" y="1434517"/>
+            <a:ext cx="7055142" cy="3046988"/>
+          </a:xfrm>
+          <a:prstGeom prst="rect">
+            <a:avLst/>
+          </a:prstGeom>
+          <a:noFill/>
+        </p:spPr>
+        <p:txBody>
+          <a:bodyPr wrap="square" rtlCol="0">
+            <a:spAutoFit/>
+          </a:bodyPr>
+          <a:lstStyle/>
+          <a:p>
+            <a:endParaRPr lang="pt-BR" sz="9600" dirty="0"/>
+          </a:p>
+          <a:p>
+            <a:r>
+              <a:rPr lang="pt-BR" sz="9600" dirty="0"/>
+              <a:t>Conclusão</a:t>
+            </a:r>
+          </a:p>
+        </p:txBody>
+      </p:sp>
+    </p:spTree>
+    <p:extLst>
+      <p:ext uri="{BB962C8B-B14F-4D97-AF65-F5344CB8AC3E}">
+        <p14:creationId xmlns:p14="http://schemas.microsoft.com/office/powerpoint/2010/main" val="3219344695"/>
+      </p:ext>
+    </p:extLst>
+  </p:cSld>
+  <p:clrMapOvr>
+    <a:masterClrMapping/>
+  </p:clrMapOvr>
+</p:sld>
+</file>
+
 <file path=ppt/slides/slide2.xml><?xml version="1.0" encoding="utf-8"?>
 <p:sld xmlns:a="http://schemas.openxmlformats.org/drawingml/2006/main" xmlns:r="http://schemas.openxmlformats.org/officeDocument/2006/relationships" xmlns:p="http://schemas.openxmlformats.org/presentationml/2006/main">
   <p:cSld>
@@ -5693,7 +6054,7 @@
           <p:cNvPr id="2" name="Título 1">
             <a:extLst>
               <a:ext uri="{FF2B5EF4-FFF2-40B4-BE49-F238E27FC236}">
-                <a16:creationId xmlns:a16="http://schemas.microsoft.com/office/drawing/2014/main" id="{0E6AE7C7-429C-4D82-8706-252C85520487}"/>
+                <a16:creationId xmlns:a16="http://schemas.microsoft.com/office/drawing/2014/main" id="{0B25B320-2B6A-41D9-879D-0BF8E270F399}"/>
               </a:ext>
             </a:extLst>
           </p:cNvPr>
@@ -5711,114 +6072,40 @@
           <a:p>
             <a:r>
               <a:rPr lang="pt-BR" dirty="0"/>
-              <a:t>Projeto Conceitual</a:t>
-            </a:r>
-          </a:p>
-        </p:txBody>
-      </p:sp>
-      <p:pic>
-        <p:nvPicPr>
-          <p:cNvPr id="5" name="Espaço Reservado para Conteúdo 4">
+              <a:t>Requisitos Funcionais</a:t>
+            </a:r>
+          </a:p>
+        </p:txBody>
+      </p:sp>
+      <p:sp>
+        <p:nvSpPr>
+          <p:cNvPr id="3" name="Espaço Reservado para Conteúdo 2">
             <a:extLst>
               <a:ext uri="{FF2B5EF4-FFF2-40B4-BE49-F238E27FC236}">
-                <a16:creationId xmlns:a16="http://schemas.microsoft.com/office/drawing/2014/main" id="{807BAEDD-DE30-48BC-8A49-DE2D5EE5238C}"/>
+                <a16:creationId xmlns:a16="http://schemas.microsoft.com/office/drawing/2014/main" id="{442F8FC5-CE1B-49BC-BA66-5C8C4B64E4E0}"/>
               </a:ext>
             </a:extLst>
           </p:cNvPr>
-          <p:cNvPicPr>
-            <a:picLocks noGrp="1" noChangeAspect="1"/>
-          </p:cNvPicPr>
+          <p:cNvSpPr>
+            <a:spLocks noGrp="1"/>
+          </p:cNvSpPr>
           <p:nvPr>
             <p:ph idx="1"/>
           </p:nvPr>
-        </p:nvPicPr>
-        <p:blipFill>
-          <a:blip r:embed="rId2"/>
-          <a:stretch>
-            <a:fillRect/>
-          </a:stretch>
-        </p:blipFill>
-        <p:spPr>
-          <a:xfrm>
-            <a:off x="5163378" y="2642532"/>
-            <a:ext cx="5438444" cy="3015595"/>
-          </a:xfrm>
-        </p:spPr>
-      </p:pic>
-      <p:sp>
-        <p:nvSpPr>
-          <p:cNvPr id="6" name="CaixaDeTexto 5">
-            <a:extLst>
-              <a:ext uri="{FF2B5EF4-FFF2-40B4-BE49-F238E27FC236}">
-                <a16:creationId xmlns:a16="http://schemas.microsoft.com/office/drawing/2014/main" id="{C160C0C3-5559-495B-81FB-1B383D394E48}"/>
-              </a:ext>
-            </a:extLst>
-          </p:cNvPr>
-          <p:cNvSpPr txBox="1"/>
-          <p:nvPr/>
-        </p:nvSpPr>
-        <p:spPr>
-          <a:xfrm>
-            <a:off x="419450" y="3129094"/>
-            <a:ext cx="3565321" cy="1477328"/>
-          </a:xfrm>
-          <a:prstGeom prst="rect">
-            <a:avLst/>
-          </a:prstGeom>
-          <a:noFill/>
-        </p:spPr>
-        <p:txBody>
-          <a:bodyPr wrap="square" rtlCol="0">
-            <a:spAutoFit/>
-          </a:bodyPr>
-          <a:lstStyle/>
-          <a:p>
-            <a:pPr marL="285750" indent="-285750">
-              <a:buFontTx/>
-              <a:buChar char="-"/>
-            </a:pPr>
-            <a:r>
-              <a:rPr lang="pt-BR" dirty="0"/>
-              <a:t>Definição</a:t>
-            </a:r>
-          </a:p>
-          <a:p>
-            <a:pPr marL="285750" indent="-285750">
-              <a:buFontTx/>
-              <a:buChar char="-"/>
-            </a:pPr>
-            <a:endParaRPr lang="pt-BR" dirty="0"/>
-          </a:p>
-          <a:p>
-            <a:pPr marL="285750" indent="-285750">
-              <a:buFontTx/>
-              <a:buChar char="-"/>
-            </a:pPr>
-            <a:endParaRPr lang="pt-BR" dirty="0"/>
-          </a:p>
-          <a:p>
-            <a:pPr marL="285750" indent="-285750">
-              <a:buFontTx/>
-              <a:buChar char="-"/>
-            </a:pPr>
-            <a:r>
-              <a:rPr lang="pt-BR" dirty="0"/>
-              <a:t>Relacionamentos</a:t>
-            </a:r>
-          </a:p>
-          <a:p>
-            <a:pPr marL="285750" indent="-285750">
-              <a:buFontTx/>
-              <a:buChar char="-"/>
-            </a:pPr>
-            <a:endParaRPr lang="pt-BR" dirty="0"/>
+        </p:nvSpPr>
+        <p:spPr/>
+        <p:txBody>
+          <a:bodyPr/>
+          <a:lstStyle/>
+          <a:p>
+            <a:endParaRPr lang="pt-BR"/>
           </a:p>
         </p:txBody>
       </p:sp>
     </p:spTree>
     <p:extLst>
       <p:ext uri="{BB962C8B-B14F-4D97-AF65-F5344CB8AC3E}">
-        <p14:creationId xmlns:p14="http://schemas.microsoft.com/office/powerpoint/2010/main" val="233419460"/>
+        <p14:creationId xmlns:p14="http://schemas.microsoft.com/office/powerpoint/2010/main" val="2917994725"/>
       </p:ext>
     </p:extLst>
   </p:cSld>
@@ -5850,6 +6137,329 @@
           <p:cNvPr id="2" name="Título 1">
             <a:extLst>
               <a:ext uri="{FF2B5EF4-FFF2-40B4-BE49-F238E27FC236}">
+                <a16:creationId xmlns:a16="http://schemas.microsoft.com/office/drawing/2014/main" id="{CB1253F6-22EC-4B6D-B73D-245372A3C968}"/>
+              </a:ext>
+            </a:extLst>
+          </p:cNvPr>
+          <p:cNvSpPr>
+            <a:spLocks noGrp="1"/>
+          </p:cNvSpPr>
+          <p:nvPr>
+            <p:ph type="title"/>
+          </p:nvPr>
+        </p:nvSpPr>
+        <p:spPr/>
+        <p:txBody>
+          <a:bodyPr/>
+          <a:lstStyle/>
+          <a:p>
+            <a:r>
+              <a:rPr lang="pt-BR" dirty="0"/>
+              <a:t>Diagrama de Casos de Uso</a:t>
+            </a:r>
+          </a:p>
+        </p:txBody>
+      </p:sp>
+      <p:sp>
+        <p:nvSpPr>
+          <p:cNvPr id="3" name="Espaço Reservado para Conteúdo 2">
+            <a:extLst>
+              <a:ext uri="{FF2B5EF4-FFF2-40B4-BE49-F238E27FC236}">
+                <a16:creationId xmlns:a16="http://schemas.microsoft.com/office/drawing/2014/main" id="{D573CF33-D255-47CE-8AB9-639834EDD0E2}"/>
+              </a:ext>
+            </a:extLst>
+          </p:cNvPr>
+          <p:cNvSpPr>
+            <a:spLocks noGrp="1"/>
+          </p:cNvSpPr>
+          <p:nvPr>
+            <p:ph idx="1"/>
+          </p:nvPr>
+        </p:nvSpPr>
+        <p:spPr/>
+        <p:txBody>
+          <a:bodyPr/>
+          <a:lstStyle/>
+          <a:p>
+            <a:endParaRPr lang="pt-BR"/>
+          </a:p>
+        </p:txBody>
+      </p:sp>
+    </p:spTree>
+    <p:extLst>
+      <p:ext uri="{BB962C8B-B14F-4D97-AF65-F5344CB8AC3E}">
+        <p14:creationId xmlns:p14="http://schemas.microsoft.com/office/powerpoint/2010/main" val="2881832106"/>
+      </p:ext>
+    </p:extLst>
+  </p:cSld>
+  <p:clrMapOvr>
+    <a:masterClrMapping/>
+  </p:clrMapOvr>
+</p:sld>
+</file>
+
+<file path=ppt/slides/slide5.xml><?xml version="1.0" encoding="utf-8"?>
+<p:sld xmlns:a="http://schemas.openxmlformats.org/drawingml/2006/main" xmlns:r="http://schemas.openxmlformats.org/officeDocument/2006/relationships" xmlns:p="http://schemas.openxmlformats.org/presentationml/2006/main">
+  <p:cSld>
+    <p:spTree>
+      <p:nvGrpSpPr>
+        <p:cNvPr id="1" name=""/>
+        <p:cNvGrpSpPr/>
+        <p:nvPr/>
+      </p:nvGrpSpPr>
+      <p:grpSpPr>
+        <a:xfrm>
+          <a:off x="0" y="0"/>
+          <a:ext cx="0" cy="0"/>
+          <a:chOff x="0" y="0"/>
+          <a:chExt cx="0" cy="0"/>
+        </a:xfrm>
+      </p:grpSpPr>
+      <p:sp>
+        <p:nvSpPr>
+          <p:cNvPr id="2" name="Título 1">
+            <a:extLst>
+              <a:ext uri="{FF2B5EF4-FFF2-40B4-BE49-F238E27FC236}">
+                <a16:creationId xmlns:a16="http://schemas.microsoft.com/office/drawing/2014/main" id="{B1101042-8D52-4C82-B062-772AB72C0A79}"/>
+              </a:ext>
+            </a:extLst>
+          </p:cNvPr>
+          <p:cNvSpPr>
+            <a:spLocks noGrp="1"/>
+          </p:cNvSpPr>
+          <p:nvPr>
+            <p:ph type="title"/>
+          </p:nvPr>
+        </p:nvSpPr>
+        <p:spPr/>
+        <p:txBody>
+          <a:bodyPr/>
+          <a:lstStyle/>
+          <a:p>
+            <a:r>
+              <a:rPr lang="pt-BR" dirty="0"/>
+              <a:t>Diagrama de Classes</a:t>
+            </a:r>
+          </a:p>
+        </p:txBody>
+      </p:sp>
+      <p:sp>
+        <p:nvSpPr>
+          <p:cNvPr id="3" name="Espaço Reservado para Conteúdo 2">
+            <a:extLst>
+              <a:ext uri="{FF2B5EF4-FFF2-40B4-BE49-F238E27FC236}">
+                <a16:creationId xmlns:a16="http://schemas.microsoft.com/office/drawing/2014/main" id="{66676F0F-069F-4D7A-BE4C-06A323F96F6F}"/>
+              </a:ext>
+            </a:extLst>
+          </p:cNvPr>
+          <p:cNvSpPr>
+            <a:spLocks noGrp="1"/>
+          </p:cNvSpPr>
+          <p:nvPr>
+            <p:ph idx="1"/>
+          </p:nvPr>
+        </p:nvSpPr>
+        <p:spPr/>
+        <p:txBody>
+          <a:bodyPr/>
+          <a:lstStyle/>
+          <a:p>
+            <a:endParaRPr lang="pt-BR"/>
+          </a:p>
+        </p:txBody>
+      </p:sp>
+    </p:spTree>
+    <p:extLst>
+      <p:ext uri="{BB962C8B-B14F-4D97-AF65-F5344CB8AC3E}">
+        <p14:creationId xmlns:p14="http://schemas.microsoft.com/office/powerpoint/2010/main" val="1706480695"/>
+      </p:ext>
+    </p:extLst>
+  </p:cSld>
+  <p:clrMapOvr>
+    <a:masterClrMapping/>
+  </p:clrMapOvr>
+</p:sld>
+</file>
+
+<file path=ppt/slides/slide6.xml><?xml version="1.0" encoding="utf-8"?>
+<p:sld xmlns:a="http://schemas.openxmlformats.org/drawingml/2006/main" xmlns:r="http://schemas.openxmlformats.org/officeDocument/2006/relationships" xmlns:p="http://schemas.openxmlformats.org/presentationml/2006/main">
+  <p:cSld>
+    <p:spTree>
+      <p:nvGrpSpPr>
+        <p:cNvPr id="1" name=""/>
+        <p:cNvGrpSpPr/>
+        <p:nvPr/>
+      </p:nvGrpSpPr>
+      <p:grpSpPr>
+        <a:xfrm>
+          <a:off x="0" y="0"/>
+          <a:ext cx="0" cy="0"/>
+          <a:chOff x="0" y="0"/>
+          <a:chExt cx="0" cy="0"/>
+        </a:xfrm>
+      </p:grpSpPr>
+      <p:sp>
+        <p:nvSpPr>
+          <p:cNvPr id="2" name="Título 1">
+            <a:extLst>
+              <a:ext uri="{FF2B5EF4-FFF2-40B4-BE49-F238E27FC236}">
+                <a16:creationId xmlns:a16="http://schemas.microsoft.com/office/drawing/2014/main" id="{0E6AE7C7-429C-4D82-8706-252C85520487}"/>
+              </a:ext>
+            </a:extLst>
+          </p:cNvPr>
+          <p:cNvSpPr>
+            <a:spLocks noGrp="1"/>
+          </p:cNvSpPr>
+          <p:nvPr>
+            <p:ph type="title"/>
+          </p:nvPr>
+        </p:nvSpPr>
+        <p:spPr/>
+        <p:txBody>
+          <a:bodyPr/>
+          <a:lstStyle/>
+          <a:p>
+            <a:r>
+              <a:rPr lang="pt-BR" dirty="0"/>
+              <a:t>Projeto Conceitual</a:t>
+            </a:r>
+          </a:p>
+        </p:txBody>
+      </p:sp>
+      <p:pic>
+        <p:nvPicPr>
+          <p:cNvPr id="5" name="Espaço Reservado para Conteúdo 4">
+            <a:extLst>
+              <a:ext uri="{FF2B5EF4-FFF2-40B4-BE49-F238E27FC236}">
+                <a16:creationId xmlns:a16="http://schemas.microsoft.com/office/drawing/2014/main" id="{807BAEDD-DE30-48BC-8A49-DE2D5EE5238C}"/>
+              </a:ext>
+            </a:extLst>
+          </p:cNvPr>
+          <p:cNvPicPr>
+            <a:picLocks noGrp="1" noChangeAspect="1"/>
+          </p:cNvPicPr>
+          <p:nvPr>
+            <p:ph idx="1"/>
+          </p:nvPr>
+        </p:nvPicPr>
+        <p:blipFill>
+          <a:blip r:embed="rId2"/>
+          <a:stretch>
+            <a:fillRect/>
+          </a:stretch>
+        </p:blipFill>
+        <p:spPr>
+          <a:xfrm>
+            <a:off x="5163378" y="2642532"/>
+            <a:ext cx="5438444" cy="3015595"/>
+          </a:xfrm>
+        </p:spPr>
+      </p:pic>
+      <p:sp>
+        <p:nvSpPr>
+          <p:cNvPr id="6" name="CaixaDeTexto 5">
+            <a:extLst>
+              <a:ext uri="{FF2B5EF4-FFF2-40B4-BE49-F238E27FC236}">
+                <a16:creationId xmlns:a16="http://schemas.microsoft.com/office/drawing/2014/main" id="{C160C0C3-5559-495B-81FB-1B383D394E48}"/>
+              </a:ext>
+            </a:extLst>
+          </p:cNvPr>
+          <p:cNvSpPr txBox="1"/>
+          <p:nvPr/>
+        </p:nvSpPr>
+        <p:spPr>
+          <a:xfrm>
+            <a:off x="419450" y="3129094"/>
+            <a:ext cx="3565321" cy="1477328"/>
+          </a:xfrm>
+          <a:prstGeom prst="rect">
+            <a:avLst/>
+          </a:prstGeom>
+          <a:noFill/>
+        </p:spPr>
+        <p:txBody>
+          <a:bodyPr wrap="square" rtlCol="0">
+            <a:spAutoFit/>
+          </a:bodyPr>
+          <a:lstStyle/>
+          <a:p>
+            <a:pPr marL="285750" indent="-285750">
+              <a:buFontTx/>
+              <a:buChar char="-"/>
+            </a:pPr>
+            <a:r>
+              <a:rPr lang="pt-BR" dirty="0"/>
+              <a:t>Definição</a:t>
+            </a:r>
+          </a:p>
+          <a:p>
+            <a:pPr marL="285750" indent="-285750">
+              <a:buFontTx/>
+              <a:buChar char="-"/>
+            </a:pPr>
+            <a:endParaRPr lang="pt-BR" dirty="0"/>
+          </a:p>
+          <a:p>
+            <a:pPr marL="285750" indent="-285750">
+              <a:buFontTx/>
+              <a:buChar char="-"/>
+            </a:pPr>
+            <a:endParaRPr lang="pt-BR" dirty="0"/>
+          </a:p>
+          <a:p>
+            <a:pPr marL="285750" indent="-285750">
+              <a:buFontTx/>
+              <a:buChar char="-"/>
+            </a:pPr>
+            <a:r>
+              <a:rPr lang="pt-BR" dirty="0"/>
+              <a:t>Relacionamentos</a:t>
+            </a:r>
+          </a:p>
+          <a:p>
+            <a:pPr marL="285750" indent="-285750">
+              <a:buFontTx/>
+              <a:buChar char="-"/>
+            </a:pPr>
+            <a:endParaRPr lang="pt-BR" dirty="0"/>
+          </a:p>
+        </p:txBody>
+      </p:sp>
+    </p:spTree>
+    <p:extLst>
+      <p:ext uri="{BB962C8B-B14F-4D97-AF65-F5344CB8AC3E}">
+        <p14:creationId xmlns:p14="http://schemas.microsoft.com/office/powerpoint/2010/main" val="233419460"/>
+      </p:ext>
+    </p:extLst>
+  </p:cSld>
+  <p:clrMapOvr>
+    <a:masterClrMapping/>
+  </p:clrMapOvr>
+</p:sld>
+</file>
+
+<file path=ppt/slides/slide7.xml><?xml version="1.0" encoding="utf-8"?>
+<p:sld xmlns:a="http://schemas.openxmlformats.org/drawingml/2006/main" xmlns:r="http://schemas.openxmlformats.org/officeDocument/2006/relationships" xmlns:p="http://schemas.openxmlformats.org/presentationml/2006/main">
+  <p:cSld>
+    <p:spTree>
+      <p:nvGrpSpPr>
+        <p:cNvPr id="1" name=""/>
+        <p:cNvGrpSpPr/>
+        <p:nvPr/>
+      </p:nvGrpSpPr>
+      <p:grpSpPr>
+        <a:xfrm>
+          <a:off x="0" y="0"/>
+          <a:ext cx="0" cy="0"/>
+          <a:chOff x="0" y="0"/>
+          <a:chExt cx="0" cy="0"/>
+        </a:xfrm>
+      </p:grpSpPr>
+      <p:sp>
+        <p:nvSpPr>
+          <p:cNvPr id="2" name="Título 1">
+            <a:extLst>
+              <a:ext uri="{FF2B5EF4-FFF2-40B4-BE49-F238E27FC236}">
                 <a16:creationId xmlns:a16="http://schemas.microsoft.com/office/drawing/2014/main" id="{EDB08E1C-E6D9-4CD4-94EE-1BDB042CB2DC}"/>
               </a:ext>
             </a:extLst>
@@ -5978,7 +6588,7 @@
 </p:sld>
 </file>
 
-<file path=ppt/slides/slide5.xml><?xml version="1.0" encoding="utf-8"?>
+<file path=ppt/slides/slide8.xml><?xml version="1.0" encoding="utf-8"?>
 <p:sld xmlns:a="http://schemas.openxmlformats.org/drawingml/2006/main" xmlns:r="http://schemas.openxmlformats.org/officeDocument/2006/relationships" xmlns:p="http://schemas.openxmlformats.org/presentationml/2006/main">
   <p:cSld>
     <p:spTree>
@@ -6153,7 +6763,7 @@
 </p:sld>
 </file>
 
-<file path=ppt/slides/slide6.xml><?xml version="1.0" encoding="utf-8"?>
+<file path=ppt/slides/slide9.xml><?xml version="1.0" encoding="utf-8"?>
 <p:sld xmlns:a="http://schemas.openxmlformats.org/drawingml/2006/main" xmlns:r="http://schemas.openxmlformats.org/officeDocument/2006/relationships" xmlns:p="http://schemas.openxmlformats.org/presentationml/2006/main">
   <p:cSld>
     <p:spTree>
@@ -6310,78 +6920,40 @@
           </a:p>
         </p:txBody>
       </p:sp>
+      <p:pic>
+        <p:nvPicPr>
+          <p:cNvPr id="5" name="Imagem 4">
+            <a:extLst>
+              <a:ext uri="{FF2B5EF4-FFF2-40B4-BE49-F238E27FC236}">
+                <a16:creationId xmlns:a16="http://schemas.microsoft.com/office/drawing/2014/main" id="{448F401E-03AD-4941-9F51-B419F3F476BB}"/>
+              </a:ext>
+            </a:extLst>
+          </p:cNvPr>
+          <p:cNvPicPr>
+            <a:picLocks noChangeAspect="1"/>
+          </p:cNvPicPr>
+          <p:nvPr/>
+        </p:nvPicPr>
+        <p:blipFill>
+          <a:blip r:embed="rId2"/>
+          <a:stretch>
+            <a:fillRect/>
+          </a:stretch>
+        </p:blipFill>
+        <p:spPr>
+          <a:xfrm>
+            <a:off x="5423594" y="2379051"/>
+            <a:ext cx="4946489" cy="3181713"/>
+          </a:xfrm>
+          <a:prstGeom prst="rect">
+            <a:avLst/>
+          </a:prstGeom>
+        </p:spPr>
+      </p:pic>
     </p:spTree>
     <p:extLst>
       <p:ext uri="{BB962C8B-B14F-4D97-AF65-F5344CB8AC3E}">
         <p14:creationId xmlns:p14="http://schemas.microsoft.com/office/powerpoint/2010/main" val="2880436270"/>
-      </p:ext>
-    </p:extLst>
-  </p:cSld>
-  <p:clrMapOvr>
-    <a:masterClrMapping/>
-  </p:clrMapOvr>
-</p:sld>
-</file>
-
-<file path=ppt/slides/slide7.xml><?xml version="1.0" encoding="utf-8"?>
-<p:sld xmlns:a="http://schemas.openxmlformats.org/drawingml/2006/main" xmlns:r="http://schemas.openxmlformats.org/officeDocument/2006/relationships" xmlns:p="http://schemas.openxmlformats.org/presentationml/2006/main">
-  <p:cSld>
-    <p:spTree>
-      <p:nvGrpSpPr>
-        <p:cNvPr id="1" name=""/>
-        <p:cNvGrpSpPr/>
-        <p:nvPr/>
-      </p:nvGrpSpPr>
-      <p:grpSpPr>
-        <a:xfrm>
-          <a:off x="0" y="0"/>
-          <a:ext cx="0" cy="0"/>
-          <a:chOff x="0" y="0"/>
-          <a:chExt cx="0" cy="0"/>
-        </a:xfrm>
-      </p:grpSpPr>
-      <p:sp>
-        <p:nvSpPr>
-          <p:cNvPr id="6" name="CaixaDeTexto 5">
-            <a:extLst>
-              <a:ext uri="{FF2B5EF4-FFF2-40B4-BE49-F238E27FC236}">
-                <a16:creationId xmlns:a16="http://schemas.microsoft.com/office/drawing/2014/main" id="{765E9170-7A3E-4989-97A8-4613C3B7BCA8}"/>
-              </a:ext>
-            </a:extLst>
-          </p:cNvPr>
-          <p:cNvSpPr txBox="1"/>
-          <p:nvPr/>
-        </p:nvSpPr>
-        <p:spPr>
-          <a:xfrm>
-            <a:off x="2416029" y="1434517"/>
-            <a:ext cx="7055142" cy="3046988"/>
-          </a:xfrm>
-          <a:prstGeom prst="rect">
-            <a:avLst/>
-          </a:prstGeom>
-          <a:noFill/>
-        </p:spPr>
-        <p:txBody>
-          <a:bodyPr wrap="square" rtlCol="0">
-            <a:spAutoFit/>
-          </a:bodyPr>
-          <a:lstStyle/>
-          <a:p>
-            <a:endParaRPr lang="pt-BR" sz="9600" dirty="0"/>
-          </a:p>
-          <a:p>
-            <a:r>
-              <a:rPr lang="pt-BR" sz="9600" dirty="0"/>
-              <a:t>Conclusão</a:t>
-            </a:r>
-          </a:p>
-        </p:txBody>
-      </p:sp>
-    </p:spTree>
-    <p:extLst>
-      <p:ext uri="{BB962C8B-B14F-4D97-AF65-F5344CB8AC3E}">
-        <p14:creationId xmlns:p14="http://schemas.microsoft.com/office/powerpoint/2010/main" val="3219344695"/>
       </p:ext>
     </p:extLst>
   </p:cSld>

--- a/IODware.pptx
+++ b/IODware.pptx
@@ -218,7 +218,7 @@
           <a:effectLst/>
           <a:extLst>
             <a:ext uri="{91240B29-F687-4f45-9708-019B960494DF}">
-              <a14:hiddenLine xmlns="" xmlns:a14="http://schemas.microsoft.com/office/drawing/2010/main" w="9525">
+              <a14:hiddenLine xmlns:a14="http://schemas.microsoft.com/office/drawing/2010/main" xmlns="" w="9525">
                 <a:solidFill>
                   <a:srgbClr val="000000"/>
                 </a:solidFill>
@@ -1728,7 +1728,7 @@
           <a:ln/>
           <a:extLst>
             <a:ext uri="{91240B29-F687-4f45-9708-019B960494DF}">
-              <a14:hiddenLine xmlns="" xmlns:a14="http://schemas.microsoft.com/office/drawing/2010/main" w="9525">
+              <a14:hiddenLine xmlns:a14="http://schemas.microsoft.com/office/drawing/2010/main" xmlns="" w="9525">
                 <a:solidFill>
                   <a:srgbClr val="000000"/>
                 </a:solidFill>
@@ -2000,7 +2000,7 @@
           <a:ln/>
           <a:extLst>
             <a:ext uri="{91240B29-F687-4f45-9708-019B960494DF}">
-              <a14:hiddenLine xmlns="" xmlns:a14="http://schemas.microsoft.com/office/drawing/2010/main" w="9525">
+              <a14:hiddenLine xmlns:a14="http://schemas.microsoft.com/office/drawing/2010/main" xmlns="" w="9525">
                 <a:solidFill>
                   <a:srgbClr val="000000"/>
                 </a:solidFill>
@@ -2280,7 +2280,7 @@
           <a:ln/>
           <a:extLst>
             <a:ext uri="{91240B29-F687-4f45-9708-019B960494DF}">
-              <a14:hiddenLine xmlns="" xmlns:a14="http://schemas.microsoft.com/office/drawing/2010/main" w="9525">
+              <a14:hiddenLine xmlns:a14="http://schemas.microsoft.com/office/drawing/2010/main" xmlns="" w="9525">
                 <a:solidFill>
                   <a:srgbClr val="000000"/>
                 </a:solidFill>
@@ -2900,7 +2900,7 @@
           <a:ln/>
           <a:extLst>
             <a:ext uri="{91240B29-F687-4f45-9708-019B960494DF}">
-              <a14:hiddenLine xmlns="" xmlns:a14="http://schemas.microsoft.com/office/drawing/2010/main" w="9525">
+              <a14:hiddenLine xmlns:a14="http://schemas.microsoft.com/office/drawing/2010/main" xmlns="" w="9525">
                 <a:solidFill>
                   <a:srgbClr val="000000"/>
                 </a:solidFill>
@@ -3236,7 +3236,7 @@
           <a:ln/>
           <a:extLst>
             <a:ext uri="{91240B29-F687-4f45-9708-019B960494DF}">
-              <a14:hiddenLine xmlns="" xmlns:a14="http://schemas.microsoft.com/office/drawing/2010/main" w="9525">
+              <a14:hiddenLine xmlns:a14="http://schemas.microsoft.com/office/drawing/2010/main" xmlns="" w="9525">
                 <a:solidFill>
                   <a:srgbClr val="000000"/>
                 </a:solidFill>
@@ -3710,7 +3710,7 @@
           <a:ln/>
           <a:extLst>
             <a:ext uri="{91240B29-F687-4f45-9708-019B960494DF}">
-              <a14:hiddenLine xmlns="" xmlns:a14="http://schemas.microsoft.com/office/drawing/2010/main" w="9525">
+              <a14:hiddenLine xmlns:a14="http://schemas.microsoft.com/office/drawing/2010/main" xmlns="" w="9525">
                 <a:solidFill>
                   <a:srgbClr val="000000"/>
                 </a:solidFill>
@@ -4133,7 +4133,7 @@
           <a:ln/>
           <a:extLst>
             <a:ext uri="{91240B29-F687-4f45-9708-019B960494DF}">
-              <a14:hiddenLine xmlns="" xmlns:a14="http://schemas.microsoft.com/office/drawing/2010/main" w="9525">
+              <a14:hiddenLine xmlns:a14="http://schemas.microsoft.com/office/drawing/2010/main" xmlns="" w="9525">
                 <a:solidFill>
                   <a:srgbClr val="000000"/>
                 </a:solidFill>
@@ -5664,7 +5664,10 @@
           <a:bodyPr/>
           <a:lstStyle/>
           <a:p>
-            <a:endParaRPr lang="pt-BR" dirty="0"/>
+            <a:r>
+              <a:rPr lang="pt-BR" dirty="0"/>
+              <a:t>Programa</a:t>
+            </a:r>
           </a:p>
         </p:txBody>
       </p:sp>

--- a/IODware.pptx
+++ b/IODware.pptx
@@ -8,15 +8,18 @@
     <p:sldId id="256" r:id="rId2"/>
     <p:sldId id="257" r:id="rId3"/>
     <p:sldId id="265" r:id="rId4"/>
-    <p:sldId id="266" r:id="rId5"/>
-    <p:sldId id="267" r:id="rId6"/>
-    <p:sldId id="258" r:id="rId7"/>
-    <p:sldId id="259" r:id="rId8"/>
-    <p:sldId id="260" r:id="rId9"/>
-    <p:sldId id="261" r:id="rId10"/>
-    <p:sldId id="263" r:id="rId11"/>
-    <p:sldId id="264" r:id="rId12"/>
-    <p:sldId id="262" r:id="rId13"/>
+    <p:sldId id="268" r:id="rId5"/>
+    <p:sldId id="269" r:id="rId6"/>
+    <p:sldId id="266" r:id="rId7"/>
+    <p:sldId id="270" r:id="rId8"/>
+    <p:sldId id="267" r:id="rId9"/>
+    <p:sldId id="258" r:id="rId10"/>
+    <p:sldId id="259" r:id="rId11"/>
+    <p:sldId id="260" r:id="rId12"/>
+    <p:sldId id="261" r:id="rId13"/>
+    <p:sldId id="263" r:id="rId14"/>
+    <p:sldId id="264" r:id="rId15"/>
+    <p:sldId id="262" r:id="rId16"/>
   </p:sldIdLst>
   <p:sldSz cx="12192000" cy="6858000"/>
   <p:notesSz cx="6858000" cy="9144000"/>
@@ -218,7 +221,7 @@
           <a:effectLst/>
           <a:extLst>
             <a:ext uri="{91240B29-F687-4f45-9708-019B960494DF}">
-              <a14:hiddenLine xmlns:a14="http://schemas.microsoft.com/office/drawing/2010/main" xmlns="" w="9525">
+              <a14:hiddenLine xmlns="" xmlns:a14="http://schemas.microsoft.com/office/drawing/2010/main" w="9525">
                 <a:solidFill>
                   <a:srgbClr val="000000"/>
                 </a:solidFill>
@@ -1728,7 +1731,7 @@
           <a:ln/>
           <a:extLst>
             <a:ext uri="{91240B29-F687-4f45-9708-019B960494DF}">
-              <a14:hiddenLine xmlns:a14="http://schemas.microsoft.com/office/drawing/2010/main" xmlns="" w="9525">
+              <a14:hiddenLine xmlns="" xmlns:a14="http://schemas.microsoft.com/office/drawing/2010/main" w="9525">
                 <a:solidFill>
                   <a:srgbClr val="000000"/>
                 </a:solidFill>
@@ -2000,7 +2003,7 @@
           <a:ln/>
           <a:extLst>
             <a:ext uri="{91240B29-F687-4f45-9708-019B960494DF}">
-              <a14:hiddenLine xmlns:a14="http://schemas.microsoft.com/office/drawing/2010/main" xmlns="" w="9525">
+              <a14:hiddenLine xmlns="" xmlns:a14="http://schemas.microsoft.com/office/drawing/2010/main" w="9525">
                 <a:solidFill>
                   <a:srgbClr val="000000"/>
                 </a:solidFill>
@@ -2280,7 +2283,7 @@
           <a:ln/>
           <a:extLst>
             <a:ext uri="{91240B29-F687-4f45-9708-019B960494DF}">
-              <a14:hiddenLine xmlns:a14="http://schemas.microsoft.com/office/drawing/2010/main" xmlns="" w="9525">
+              <a14:hiddenLine xmlns="" xmlns:a14="http://schemas.microsoft.com/office/drawing/2010/main" w="9525">
                 <a:solidFill>
                   <a:srgbClr val="000000"/>
                 </a:solidFill>
@@ -2900,7 +2903,7 @@
           <a:ln/>
           <a:extLst>
             <a:ext uri="{91240B29-F687-4f45-9708-019B960494DF}">
-              <a14:hiddenLine xmlns:a14="http://schemas.microsoft.com/office/drawing/2010/main" xmlns="" w="9525">
+              <a14:hiddenLine xmlns="" xmlns:a14="http://schemas.microsoft.com/office/drawing/2010/main" w="9525">
                 <a:solidFill>
                   <a:srgbClr val="000000"/>
                 </a:solidFill>
@@ -3236,7 +3239,7 @@
           <a:ln/>
           <a:extLst>
             <a:ext uri="{91240B29-F687-4f45-9708-019B960494DF}">
-              <a14:hiddenLine xmlns:a14="http://schemas.microsoft.com/office/drawing/2010/main" xmlns="" w="9525">
+              <a14:hiddenLine xmlns="" xmlns:a14="http://schemas.microsoft.com/office/drawing/2010/main" w="9525">
                 <a:solidFill>
                   <a:srgbClr val="000000"/>
                 </a:solidFill>
@@ -3710,7 +3713,7 @@
           <a:ln/>
           <a:extLst>
             <a:ext uri="{91240B29-F687-4f45-9708-019B960494DF}">
-              <a14:hiddenLine xmlns:a14="http://schemas.microsoft.com/office/drawing/2010/main" xmlns="" w="9525">
+              <a14:hiddenLine xmlns="" xmlns:a14="http://schemas.microsoft.com/office/drawing/2010/main" w="9525">
                 <a:solidFill>
                   <a:srgbClr val="000000"/>
                 </a:solidFill>
@@ -4133,7 +4136,7 @@
           <a:ln/>
           <a:extLst>
             <a:ext uri="{91240B29-F687-4f45-9708-019B960494DF}">
-              <a14:hiddenLine xmlns:a14="http://schemas.microsoft.com/office/drawing/2010/main" xmlns="" w="9525">
+              <a14:hiddenLine xmlns="" xmlns:a14="http://schemas.microsoft.com/office/drawing/2010/main" w="9525">
                 <a:solidFill>
                   <a:srgbClr val="000000"/>
                 </a:solidFill>
@@ -5505,6 +5508,531 @@
           <p:cNvPr id="2" name="Título 1">
             <a:extLst>
               <a:ext uri="{FF2B5EF4-FFF2-40B4-BE49-F238E27FC236}">
+                <a16:creationId xmlns:a16="http://schemas.microsoft.com/office/drawing/2014/main" id="{EDB08E1C-E6D9-4CD4-94EE-1BDB042CB2DC}"/>
+              </a:ext>
+            </a:extLst>
+          </p:cNvPr>
+          <p:cNvSpPr>
+            <a:spLocks noGrp="1"/>
+          </p:cNvSpPr>
+          <p:nvPr>
+            <p:ph type="title"/>
+          </p:nvPr>
+        </p:nvSpPr>
+        <p:spPr/>
+        <p:txBody>
+          <a:bodyPr/>
+          <a:lstStyle/>
+          <a:p>
+            <a:r>
+              <a:rPr lang="pt-BR" dirty="0"/>
+              <a:t>Projeto Lógico</a:t>
+            </a:r>
+          </a:p>
+        </p:txBody>
+      </p:sp>
+      <p:pic>
+        <p:nvPicPr>
+          <p:cNvPr id="5" name="Espaço Reservado para Conteúdo 4">
+            <a:extLst>
+              <a:ext uri="{FF2B5EF4-FFF2-40B4-BE49-F238E27FC236}">
+                <a16:creationId xmlns:a16="http://schemas.microsoft.com/office/drawing/2014/main" id="{45FC40F7-BB4A-4EEE-8D67-95D555AC8543}"/>
+              </a:ext>
+            </a:extLst>
+          </p:cNvPr>
+          <p:cNvPicPr>
+            <a:picLocks noGrp="1" noChangeAspect="1"/>
+          </p:cNvPicPr>
+          <p:nvPr>
+            <p:ph idx="1"/>
+          </p:nvPr>
+        </p:nvPicPr>
+        <p:blipFill>
+          <a:blip r:embed="rId2"/>
+          <a:stretch>
+            <a:fillRect/>
+          </a:stretch>
+        </p:blipFill>
+        <p:spPr>
+          <a:xfrm>
+            <a:off x="5629013" y="2558060"/>
+            <a:ext cx="4559929" cy="3635439"/>
+          </a:xfrm>
+        </p:spPr>
+      </p:pic>
+      <p:sp>
+        <p:nvSpPr>
+          <p:cNvPr id="6" name="CaixaDeTexto 5">
+            <a:extLst>
+              <a:ext uri="{FF2B5EF4-FFF2-40B4-BE49-F238E27FC236}">
+                <a16:creationId xmlns:a16="http://schemas.microsoft.com/office/drawing/2014/main" id="{398281DD-5D5D-4C27-8DBD-BD57FD7345EE}"/>
+              </a:ext>
+            </a:extLst>
+          </p:cNvPr>
+          <p:cNvSpPr txBox="1"/>
+          <p:nvPr/>
+        </p:nvSpPr>
+        <p:spPr>
+          <a:xfrm>
+            <a:off x="704675" y="3087149"/>
+            <a:ext cx="3967993" cy="1200329"/>
+          </a:xfrm>
+          <a:prstGeom prst="rect">
+            <a:avLst/>
+          </a:prstGeom>
+          <a:noFill/>
+        </p:spPr>
+        <p:txBody>
+          <a:bodyPr wrap="square" rtlCol="0">
+            <a:spAutoFit/>
+          </a:bodyPr>
+          <a:lstStyle/>
+          <a:p>
+            <a:pPr marL="285750" indent="-285750">
+              <a:buFontTx/>
+              <a:buChar char="-"/>
+            </a:pPr>
+            <a:r>
+              <a:rPr lang="pt-BR" dirty="0"/>
+              <a:t>Chaves</a:t>
+            </a:r>
+          </a:p>
+          <a:p>
+            <a:pPr marL="285750" indent="-285750">
+              <a:buFontTx/>
+              <a:buChar char="-"/>
+            </a:pPr>
+            <a:endParaRPr lang="pt-BR" dirty="0"/>
+          </a:p>
+          <a:p>
+            <a:pPr marL="285750" indent="-285750">
+              <a:buFontTx/>
+              <a:buChar char="-"/>
+            </a:pPr>
+            <a:endParaRPr lang="pt-BR" dirty="0"/>
+          </a:p>
+          <a:p>
+            <a:pPr marL="285750" indent="-285750">
+              <a:buFontTx/>
+              <a:buChar char="-"/>
+            </a:pPr>
+            <a:r>
+              <a:rPr lang="pt-BR" dirty="0"/>
+              <a:t>Tabelas</a:t>
+            </a:r>
+          </a:p>
+        </p:txBody>
+      </p:sp>
+    </p:spTree>
+    <p:extLst>
+      <p:ext uri="{BB962C8B-B14F-4D97-AF65-F5344CB8AC3E}">
+        <p14:creationId xmlns:p14="http://schemas.microsoft.com/office/powerpoint/2010/main" val="2409260841"/>
+      </p:ext>
+    </p:extLst>
+  </p:cSld>
+  <p:clrMapOvr>
+    <a:masterClrMapping/>
+  </p:clrMapOvr>
+</p:sld>
+</file>
+
+<file path=ppt/slides/slide11.xml><?xml version="1.0" encoding="utf-8"?>
+<p:sld xmlns:a="http://schemas.openxmlformats.org/drawingml/2006/main" xmlns:r="http://schemas.openxmlformats.org/officeDocument/2006/relationships" xmlns:p="http://schemas.openxmlformats.org/presentationml/2006/main">
+  <p:cSld>
+    <p:spTree>
+      <p:nvGrpSpPr>
+        <p:cNvPr id="1" name=""/>
+        <p:cNvGrpSpPr/>
+        <p:nvPr/>
+      </p:nvGrpSpPr>
+      <p:grpSpPr>
+        <a:xfrm>
+          <a:off x="0" y="0"/>
+          <a:ext cx="0" cy="0"/>
+          <a:chOff x="0" y="0"/>
+          <a:chExt cx="0" cy="0"/>
+        </a:xfrm>
+      </p:grpSpPr>
+      <p:sp>
+        <p:nvSpPr>
+          <p:cNvPr id="2" name="Título 1">
+            <a:extLst>
+              <a:ext uri="{FF2B5EF4-FFF2-40B4-BE49-F238E27FC236}">
+                <a16:creationId xmlns:a16="http://schemas.microsoft.com/office/drawing/2014/main" id="{FE683C14-D8C1-4AAA-9C3E-B9334246E7EB}"/>
+              </a:ext>
+            </a:extLst>
+          </p:cNvPr>
+          <p:cNvSpPr>
+            <a:spLocks noGrp="1"/>
+          </p:cNvSpPr>
+          <p:nvPr>
+            <p:ph type="title"/>
+          </p:nvPr>
+        </p:nvSpPr>
+        <p:spPr/>
+        <p:txBody>
+          <a:bodyPr/>
+          <a:lstStyle/>
+          <a:p>
+            <a:r>
+              <a:rPr lang="pt-BR" dirty="0"/>
+              <a:t>Projeto Físico</a:t>
+            </a:r>
+          </a:p>
+        </p:txBody>
+      </p:sp>
+      <p:sp>
+        <p:nvSpPr>
+          <p:cNvPr id="3" name="Espaço Reservado para Conteúdo 2">
+            <a:extLst>
+              <a:ext uri="{FF2B5EF4-FFF2-40B4-BE49-F238E27FC236}">
+                <a16:creationId xmlns:a16="http://schemas.microsoft.com/office/drawing/2014/main" id="{B9D1DC32-AEDD-47E5-9510-CB6F40DD0725}"/>
+              </a:ext>
+            </a:extLst>
+          </p:cNvPr>
+          <p:cNvSpPr>
+            <a:spLocks noGrp="1"/>
+          </p:cNvSpPr>
+          <p:nvPr>
+            <p:ph idx="1"/>
+          </p:nvPr>
+        </p:nvSpPr>
+        <p:spPr/>
+        <p:txBody>
+          <a:bodyPr/>
+          <a:lstStyle/>
+          <a:p>
+            <a:endParaRPr lang="pt-BR" dirty="0"/>
+          </a:p>
+        </p:txBody>
+      </p:sp>
+      <p:pic>
+        <p:nvPicPr>
+          <p:cNvPr id="4" name="Imagem 3">
+            <a:extLst>
+              <a:ext uri="{FF2B5EF4-FFF2-40B4-BE49-F238E27FC236}">
+                <a16:creationId xmlns:a16="http://schemas.microsoft.com/office/drawing/2014/main" id="{D110E72C-87BD-44B6-93B7-A8C47AC6D85E}"/>
+              </a:ext>
+            </a:extLst>
+          </p:cNvPr>
+          <p:cNvPicPr>
+            <a:picLocks noChangeAspect="1"/>
+          </p:cNvPicPr>
+          <p:nvPr/>
+        </p:nvPicPr>
+        <p:blipFill>
+          <a:blip r:embed="rId2"/>
+          <a:stretch>
+            <a:fillRect/>
+          </a:stretch>
+        </p:blipFill>
+        <p:spPr>
+          <a:xfrm>
+            <a:off x="6618914" y="2389464"/>
+            <a:ext cx="4028244" cy="3469334"/>
+          </a:xfrm>
+          <a:prstGeom prst="rect">
+            <a:avLst/>
+          </a:prstGeom>
+        </p:spPr>
+      </p:pic>
+      <p:sp>
+        <p:nvSpPr>
+          <p:cNvPr id="6" name="CaixaDeTexto 5">
+            <a:extLst>
+              <a:ext uri="{FF2B5EF4-FFF2-40B4-BE49-F238E27FC236}">
+                <a16:creationId xmlns:a16="http://schemas.microsoft.com/office/drawing/2014/main" id="{B24B8D41-296C-484B-91C4-131082C5B615}"/>
+              </a:ext>
+            </a:extLst>
+          </p:cNvPr>
+          <p:cNvSpPr txBox="1"/>
+          <p:nvPr/>
+        </p:nvSpPr>
+        <p:spPr>
+          <a:xfrm>
+            <a:off x="562062" y="2877424"/>
+            <a:ext cx="4311942" cy="1477328"/>
+          </a:xfrm>
+          <a:prstGeom prst="rect">
+            <a:avLst/>
+          </a:prstGeom>
+          <a:noFill/>
+        </p:spPr>
+        <p:txBody>
+          <a:bodyPr wrap="square" rtlCol="0">
+            <a:spAutoFit/>
+          </a:bodyPr>
+          <a:lstStyle/>
+          <a:p>
+            <a:pPr marL="285750" indent="-285750">
+              <a:buFontTx/>
+              <a:buChar char="-"/>
+            </a:pPr>
+            <a:r>
+              <a:rPr lang="pt-BR" dirty="0"/>
+              <a:t>Metadados</a:t>
+            </a:r>
+          </a:p>
+          <a:p>
+            <a:pPr marL="285750" indent="-285750">
+              <a:buFontTx/>
+              <a:buChar char="-"/>
+            </a:pPr>
+            <a:endParaRPr lang="pt-BR" dirty="0"/>
+          </a:p>
+          <a:p>
+            <a:pPr marL="285750" indent="-285750">
+              <a:buFontTx/>
+              <a:buChar char="-"/>
+            </a:pPr>
+            <a:endParaRPr lang="pt-BR" dirty="0"/>
+          </a:p>
+          <a:p>
+            <a:endParaRPr lang="pt-BR" dirty="0"/>
+          </a:p>
+          <a:p>
+            <a:r>
+              <a:rPr lang="pt-BR" dirty="0"/>
+              <a:t>- Integração</a:t>
+            </a:r>
+          </a:p>
+        </p:txBody>
+      </p:sp>
+    </p:spTree>
+    <p:extLst>
+      <p:ext uri="{BB962C8B-B14F-4D97-AF65-F5344CB8AC3E}">
+        <p14:creationId xmlns:p14="http://schemas.microsoft.com/office/powerpoint/2010/main" val="1890976852"/>
+      </p:ext>
+    </p:extLst>
+  </p:cSld>
+  <p:clrMapOvr>
+    <a:masterClrMapping/>
+  </p:clrMapOvr>
+</p:sld>
+</file>
+
+<file path=ppt/slides/slide12.xml><?xml version="1.0" encoding="utf-8"?>
+<p:sld xmlns:a="http://schemas.openxmlformats.org/drawingml/2006/main" xmlns:r="http://schemas.openxmlformats.org/officeDocument/2006/relationships" xmlns:p="http://schemas.openxmlformats.org/presentationml/2006/main">
+  <p:cSld>
+    <p:spTree>
+      <p:nvGrpSpPr>
+        <p:cNvPr id="1" name=""/>
+        <p:cNvGrpSpPr/>
+        <p:nvPr/>
+      </p:nvGrpSpPr>
+      <p:grpSpPr>
+        <a:xfrm>
+          <a:off x="0" y="0"/>
+          <a:ext cx="0" cy="0"/>
+          <a:chOff x="0" y="0"/>
+          <a:chExt cx="0" cy="0"/>
+        </a:xfrm>
+      </p:grpSpPr>
+      <p:sp>
+        <p:nvSpPr>
+          <p:cNvPr id="2" name="Título 1">
+            <a:extLst>
+              <a:ext uri="{FF2B5EF4-FFF2-40B4-BE49-F238E27FC236}">
+                <a16:creationId xmlns:a16="http://schemas.microsoft.com/office/drawing/2014/main" id="{D707DC1A-9A21-4188-9D34-89AD2661B76C}"/>
+              </a:ext>
+            </a:extLst>
+          </p:cNvPr>
+          <p:cNvSpPr>
+            <a:spLocks noGrp="1"/>
+          </p:cNvSpPr>
+          <p:nvPr>
+            <p:ph type="title"/>
+          </p:nvPr>
+        </p:nvSpPr>
+        <p:spPr/>
+        <p:txBody>
+          <a:bodyPr/>
+          <a:lstStyle/>
+          <a:p>
+            <a:r>
+              <a:rPr lang="pt-BR" dirty="0"/>
+              <a:t>Programa</a:t>
+            </a:r>
+          </a:p>
+        </p:txBody>
+      </p:sp>
+      <p:sp>
+        <p:nvSpPr>
+          <p:cNvPr id="3" name="Espaço Reservado para Conteúdo 2">
+            <a:extLst>
+              <a:ext uri="{FF2B5EF4-FFF2-40B4-BE49-F238E27FC236}">
+                <a16:creationId xmlns:a16="http://schemas.microsoft.com/office/drawing/2014/main" id="{D26D6231-6041-4477-BB5E-D6CBB51DE5C1}"/>
+              </a:ext>
+            </a:extLst>
+          </p:cNvPr>
+          <p:cNvSpPr>
+            <a:spLocks noGrp="1"/>
+          </p:cNvSpPr>
+          <p:nvPr>
+            <p:ph idx="1"/>
+          </p:nvPr>
+        </p:nvSpPr>
+        <p:spPr/>
+        <p:txBody>
+          <a:bodyPr/>
+          <a:lstStyle/>
+          <a:p>
+            <a:endParaRPr lang="pt-BR"/>
+          </a:p>
+        </p:txBody>
+      </p:sp>
+      <p:sp>
+        <p:nvSpPr>
+          <p:cNvPr id="4" name="CaixaDeTexto 3">
+            <a:extLst>
+              <a:ext uri="{FF2B5EF4-FFF2-40B4-BE49-F238E27FC236}">
+                <a16:creationId xmlns:a16="http://schemas.microsoft.com/office/drawing/2014/main" id="{D9461310-DAE6-4C5F-8857-1CA8D7B4C873}"/>
+              </a:ext>
+            </a:extLst>
+          </p:cNvPr>
+          <p:cNvSpPr txBox="1"/>
+          <p:nvPr/>
+        </p:nvSpPr>
+        <p:spPr>
+          <a:xfrm>
+            <a:off x="444617" y="3020037"/>
+            <a:ext cx="3850546" cy="2031325"/>
+          </a:xfrm>
+          <a:prstGeom prst="rect">
+            <a:avLst/>
+          </a:prstGeom>
+          <a:noFill/>
+        </p:spPr>
+        <p:txBody>
+          <a:bodyPr wrap="square" rtlCol="0">
+            <a:spAutoFit/>
+          </a:bodyPr>
+          <a:lstStyle/>
+          <a:p>
+            <a:pPr marL="285750" indent="-285750">
+              <a:buFontTx/>
+              <a:buChar char="-"/>
+            </a:pPr>
+            <a:r>
+              <a:rPr lang="pt-BR" dirty="0"/>
+              <a:t>Java</a:t>
+            </a:r>
+          </a:p>
+          <a:p>
+            <a:pPr marL="285750" indent="-285750">
+              <a:buFontTx/>
+              <a:buChar char="-"/>
+            </a:pPr>
+            <a:endParaRPr lang="pt-BR" dirty="0"/>
+          </a:p>
+          <a:p>
+            <a:pPr marL="285750" indent="-285750">
+              <a:buFontTx/>
+              <a:buChar char="-"/>
+            </a:pPr>
+            <a:endParaRPr lang="pt-BR" dirty="0"/>
+          </a:p>
+          <a:p>
+            <a:pPr marL="285750" indent="-285750">
+              <a:buFontTx/>
+              <a:buChar char="-"/>
+            </a:pPr>
+            <a:r>
+              <a:rPr lang="pt-BR" dirty="0"/>
+              <a:t>SQL</a:t>
+            </a:r>
+          </a:p>
+          <a:p>
+            <a:pPr marL="285750" indent="-285750">
+              <a:buFontTx/>
+              <a:buChar char="-"/>
+            </a:pPr>
+            <a:endParaRPr lang="pt-BR" dirty="0"/>
+          </a:p>
+          <a:p>
+            <a:pPr marL="285750" indent="-285750">
+              <a:buFontTx/>
+              <a:buChar char="-"/>
+            </a:pPr>
+            <a:endParaRPr lang="pt-BR" dirty="0"/>
+          </a:p>
+          <a:p>
+            <a:pPr marL="285750" indent="-285750">
+              <a:buFontTx/>
+              <a:buChar char="-"/>
+            </a:pPr>
+            <a:r>
+              <a:rPr lang="pt-BR" dirty="0"/>
+              <a:t>Funcionamento</a:t>
+            </a:r>
+          </a:p>
+        </p:txBody>
+      </p:sp>
+      <p:pic>
+        <p:nvPicPr>
+          <p:cNvPr id="5" name="Imagem 4">
+            <a:extLst>
+              <a:ext uri="{FF2B5EF4-FFF2-40B4-BE49-F238E27FC236}">
+                <a16:creationId xmlns:a16="http://schemas.microsoft.com/office/drawing/2014/main" id="{448F401E-03AD-4941-9F51-B419F3F476BB}"/>
+              </a:ext>
+            </a:extLst>
+          </p:cNvPr>
+          <p:cNvPicPr>
+            <a:picLocks noChangeAspect="1"/>
+          </p:cNvPicPr>
+          <p:nvPr/>
+        </p:nvPicPr>
+        <p:blipFill>
+          <a:blip r:embed="rId2"/>
+          <a:stretch>
+            <a:fillRect/>
+          </a:stretch>
+        </p:blipFill>
+        <p:spPr>
+          <a:xfrm>
+            <a:off x="5423594" y="2379051"/>
+            <a:ext cx="4946489" cy="3181713"/>
+          </a:xfrm>
+          <a:prstGeom prst="rect">
+            <a:avLst/>
+          </a:prstGeom>
+        </p:spPr>
+      </p:pic>
+    </p:spTree>
+    <p:extLst>
+      <p:ext uri="{BB962C8B-B14F-4D97-AF65-F5344CB8AC3E}">
+        <p14:creationId xmlns:p14="http://schemas.microsoft.com/office/powerpoint/2010/main" val="2880436270"/>
+      </p:ext>
+    </p:extLst>
+  </p:cSld>
+  <p:clrMapOvr>
+    <a:masterClrMapping/>
+  </p:clrMapOvr>
+</p:sld>
+</file>
+
+<file path=ppt/slides/slide13.xml><?xml version="1.0" encoding="utf-8"?>
+<p:sld xmlns:a="http://schemas.openxmlformats.org/drawingml/2006/main" xmlns:r="http://schemas.openxmlformats.org/officeDocument/2006/relationships" xmlns:p="http://schemas.openxmlformats.org/presentationml/2006/main">
+  <p:cSld>
+    <p:spTree>
+      <p:nvGrpSpPr>
+        <p:cNvPr id="1" name=""/>
+        <p:cNvGrpSpPr/>
+        <p:nvPr/>
+      </p:nvGrpSpPr>
+      <p:grpSpPr>
+        <a:xfrm>
+          <a:off x="0" y="0"/>
+          <a:ext cx="0" cy="0"/>
+          <a:chOff x="0" y="0"/>
+          <a:chExt cx="0" cy="0"/>
+        </a:xfrm>
+      </p:grpSpPr>
+      <p:sp>
+        <p:nvSpPr>
+          <p:cNvPr id="2" name="Título 1">
+            <a:extLst>
+              <a:ext uri="{FF2B5EF4-FFF2-40B4-BE49-F238E27FC236}">
                 <a16:creationId xmlns:a16="http://schemas.microsoft.com/office/drawing/2014/main" id="{17E34C5E-0366-4A76-AAAB-6E87F283EC4F}"/>
               </a:ext>
             </a:extLst>
@@ -5626,7 +6154,7 @@
 </p:sld>
 </file>
 
-<file path=ppt/slides/slide11.xml><?xml version="1.0" encoding="utf-8"?>
+<file path=ppt/slides/slide14.xml><?xml version="1.0" encoding="utf-8"?>
 <p:sld xmlns:a="http://schemas.openxmlformats.org/drawingml/2006/main" xmlns:r="http://schemas.openxmlformats.org/officeDocument/2006/relationships" xmlns:p="http://schemas.openxmlformats.org/presentationml/2006/main">
   <p:cSld>
     <p:spTree>
@@ -5769,7 +6297,7 @@
 </p:sld>
 </file>
 
-<file path=ppt/slides/slide12.xml><?xml version="1.0" encoding="utf-8"?>
+<file path=ppt/slides/slide15.xml><?xml version="1.0" encoding="utf-8"?>
 <p:sld xmlns:a="http://schemas.openxmlformats.org/drawingml/2006/main" xmlns:r="http://schemas.openxmlformats.org/officeDocument/2006/relationships" xmlns:p="http://schemas.openxmlformats.org/presentationml/2006/main">
   <p:cSld>
     <p:spTree>
@@ -6105,6 +6633,36 @@
           </a:p>
         </p:txBody>
       </p:sp>
+      <p:pic>
+        <p:nvPicPr>
+          <p:cNvPr id="5" name="Imagem 4">
+            <a:extLst>
+              <a:ext uri="{FF2B5EF4-FFF2-40B4-BE49-F238E27FC236}">
+                <a16:creationId xmlns:a16="http://schemas.microsoft.com/office/drawing/2014/main" id="{AAAF99EF-D92C-4050-9589-10300A044A2A}"/>
+              </a:ext>
+            </a:extLst>
+          </p:cNvPr>
+          <p:cNvPicPr>
+            <a:picLocks noChangeAspect="1"/>
+          </p:cNvPicPr>
+          <p:nvPr/>
+        </p:nvPicPr>
+        <p:blipFill>
+          <a:blip r:embed="rId2"/>
+          <a:stretch>
+            <a:fillRect/>
+          </a:stretch>
+        </p:blipFill>
+        <p:spPr>
+          <a:xfrm>
+            <a:off x="2612623" y="2222287"/>
+            <a:ext cx="6966751" cy="4339732"/>
+          </a:xfrm>
+          <a:prstGeom prst="rect">
+            <a:avLst/>
+          </a:prstGeom>
+        </p:spPr>
+      </p:pic>
     </p:spTree>
     <p:extLst>
       <p:ext uri="{BB962C8B-B14F-4D97-AF65-F5344CB8AC3E}">
@@ -6140,7 +6698,7 @@
           <p:cNvPr id="2" name="Título 1">
             <a:extLst>
               <a:ext uri="{FF2B5EF4-FFF2-40B4-BE49-F238E27FC236}">
-                <a16:creationId xmlns:a16="http://schemas.microsoft.com/office/drawing/2014/main" id="{CB1253F6-22EC-4B6D-B73D-245372A3C968}"/>
+                <a16:creationId xmlns:a16="http://schemas.microsoft.com/office/drawing/2014/main" id="{B486C69B-63DC-4F7D-A737-1C8AEB5F41BA}"/>
               </a:ext>
             </a:extLst>
           </p:cNvPr>
@@ -6158,7 +6716,7 @@
           <a:p>
             <a:r>
               <a:rPr lang="pt-BR" dirty="0"/>
-              <a:t>Diagrama de Casos de Uso</a:t>
+              <a:t>Requisitos Não Funcionais</a:t>
             </a:r>
           </a:p>
         </p:txBody>
@@ -6168,7 +6726,7 @@
           <p:cNvPr id="3" name="Espaço Reservado para Conteúdo 2">
             <a:extLst>
               <a:ext uri="{FF2B5EF4-FFF2-40B4-BE49-F238E27FC236}">
-                <a16:creationId xmlns:a16="http://schemas.microsoft.com/office/drawing/2014/main" id="{D573CF33-D255-47CE-8AB9-639834EDD0E2}"/>
+                <a16:creationId xmlns:a16="http://schemas.microsoft.com/office/drawing/2014/main" id="{B9657672-C7F1-42AC-AB3B-383CE1B36196}"/>
               </a:ext>
             </a:extLst>
           </p:cNvPr>
@@ -6188,10 +6746,40 @@
           </a:p>
         </p:txBody>
       </p:sp>
+      <p:pic>
+        <p:nvPicPr>
+          <p:cNvPr id="4" name="Imagem 3">
+            <a:extLst>
+              <a:ext uri="{FF2B5EF4-FFF2-40B4-BE49-F238E27FC236}">
+                <a16:creationId xmlns:a16="http://schemas.microsoft.com/office/drawing/2014/main" id="{154A9CBE-BE93-4138-AACB-CA022627A9EB}"/>
+              </a:ext>
+            </a:extLst>
+          </p:cNvPr>
+          <p:cNvPicPr>
+            <a:picLocks noChangeAspect="1"/>
+          </p:cNvPicPr>
+          <p:nvPr/>
+        </p:nvPicPr>
+        <p:blipFill>
+          <a:blip r:embed="rId2"/>
+          <a:stretch>
+            <a:fillRect/>
+          </a:stretch>
+        </p:blipFill>
+        <p:spPr>
+          <a:xfrm>
+            <a:off x="2676481" y="2222287"/>
+            <a:ext cx="6610132" cy="4320655"/>
+          </a:xfrm>
+          <a:prstGeom prst="rect">
+            <a:avLst/>
+          </a:prstGeom>
+        </p:spPr>
+      </p:pic>
     </p:spTree>
     <p:extLst>
       <p:ext uri="{BB962C8B-B14F-4D97-AF65-F5344CB8AC3E}">
-        <p14:creationId xmlns:p14="http://schemas.microsoft.com/office/powerpoint/2010/main" val="2881832106"/>
+        <p14:creationId xmlns:p14="http://schemas.microsoft.com/office/powerpoint/2010/main" val="3661525721"/>
       </p:ext>
     </p:extLst>
   </p:cSld>
@@ -6223,7 +6811,7 @@
           <p:cNvPr id="2" name="Título 1">
             <a:extLst>
               <a:ext uri="{FF2B5EF4-FFF2-40B4-BE49-F238E27FC236}">
-                <a16:creationId xmlns:a16="http://schemas.microsoft.com/office/drawing/2014/main" id="{B1101042-8D52-4C82-B062-772AB72C0A79}"/>
+                <a16:creationId xmlns:a16="http://schemas.microsoft.com/office/drawing/2014/main" id="{4766DF6E-65ED-4AA4-A1E0-DA0EBE2B5AE0}"/>
               </a:ext>
             </a:extLst>
           </p:cNvPr>
@@ -6241,40 +6829,47 @@
           <a:p>
             <a:r>
               <a:rPr lang="pt-BR" dirty="0"/>
-              <a:t>Diagrama de Classes</a:t>
-            </a:r>
-          </a:p>
-        </p:txBody>
-      </p:sp>
-      <p:sp>
-        <p:nvSpPr>
-          <p:cNvPr id="3" name="Espaço Reservado para Conteúdo 2">
+              <a:t>Requisitos Não Funcionais</a:t>
+            </a:r>
+          </a:p>
+        </p:txBody>
+      </p:sp>
+      <p:pic>
+        <p:nvPicPr>
+          <p:cNvPr id="4" name="Espaço Reservado para Conteúdo 3">
             <a:extLst>
               <a:ext uri="{FF2B5EF4-FFF2-40B4-BE49-F238E27FC236}">
-                <a16:creationId xmlns:a16="http://schemas.microsoft.com/office/drawing/2014/main" id="{66676F0F-069F-4D7A-BE4C-06A323F96F6F}"/>
+                <a16:creationId xmlns:a16="http://schemas.microsoft.com/office/drawing/2014/main" id="{7DDA1000-4589-4A4D-816E-91A3C70DEB01}"/>
               </a:ext>
             </a:extLst>
           </p:cNvPr>
-          <p:cNvSpPr>
-            <a:spLocks noGrp="1"/>
-          </p:cNvSpPr>
+          <p:cNvPicPr>
+            <a:picLocks noGrp="1" noChangeAspect="1"/>
+          </p:cNvPicPr>
           <p:nvPr>
             <p:ph idx="1"/>
           </p:nvPr>
-        </p:nvSpPr>
-        <p:spPr/>
-        <p:txBody>
-          <a:bodyPr/>
-          <a:lstStyle/>
-          <a:p>
-            <a:endParaRPr lang="pt-BR"/>
-          </a:p>
-        </p:txBody>
-      </p:sp>
+        </p:nvPicPr>
+        <p:blipFill>
+          <a:blip r:embed="rId2"/>
+          <a:stretch>
+            <a:fillRect/>
+          </a:stretch>
+        </p:blipFill>
+        <p:spPr>
+          <a:xfrm>
+            <a:off x="2424253" y="2206305"/>
+            <a:ext cx="7343491" cy="4356529"/>
+          </a:xfrm>
+          <a:prstGeom prst="rect">
+            <a:avLst/>
+          </a:prstGeom>
+        </p:spPr>
+      </p:pic>
     </p:spTree>
     <p:extLst>
       <p:ext uri="{BB962C8B-B14F-4D97-AF65-F5344CB8AC3E}">
-        <p14:creationId xmlns:p14="http://schemas.microsoft.com/office/powerpoint/2010/main" val="1706480695"/>
+        <p14:creationId xmlns:p14="http://schemas.microsoft.com/office/powerpoint/2010/main" val="912060059"/>
       </p:ext>
     </p:extLst>
   </p:cSld>
@@ -6306,7 +6901,7 @@
           <p:cNvPr id="2" name="Título 1">
             <a:extLst>
               <a:ext uri="{FF2B5EF4-FFF2-40B4-BE49-F238E27FC236}">
-                <a16:creationId xmlns:a16="http://schemas.microsoft.com/office/drawing/2014/main" id="{0E6AE7C7-429C-4D82-8706-252C85520487}"/>
+                <a16:creationId xmlns:a16="http://schemas.microsoft.com/office/drawing/2014/main" id="{CB1253F6-22EC-4B6D-B73D-245372A3C968}"/>
               </a:ext>
             </a:extLst>
           </p:cNvPr>
@@ -6314,36 +6909,39 @@
             <a:spLocks noGrp="1"/>
           </p:cNvSpPr>
           <p:nvPr>
-            <p:ph type="title"/>
-          </p:nvPr>
-        </p:nvSpPr>
-        <p:spPr/>
+            <p:ph type="title" idx="4294967295"/>
+          </p:nvPr>
+        </p:nvSpPr>
+        <p:spPr>
+          <a:xfrm>
+            <a:off x="0" y="447675"/>
+            <a:ext cx="10572750" cy="969963"/>
+          </a:xfrm>
+        </p:spPr>
         <p:txBody>
           <a:bodyPr/>
           <a:lstStyle/>
           <a:p>
             <a:r>
               <a:rPr lang="pt-BR" dirty="0"/>
-              <a:t>Projeto Conceitual</a:t>
+              <a:t>Diagrama de Casos de Uso</a:t>
             </a:r>
           </a:p>
         </p:txBody>
       </p:sp>
       <p:pic>
         <p:nvPicPr>
-          <p:cNvPr id="5" name="Espaço Reservado para Conteúdo 4">
+          <p:cNvPr id="6" name="Imagem 5">
             <a:extLst>
               <a:ext uri="{FF2B5EF4-FFF2-40B4-BE49-F238E27FC236}">
-                <a16:creationId xmlns:a16="http://schemas.microsoft.com/office/drawing/2014/main" id="{807BAEDD-DE30-48BC-8A49-DE2D5EE5238C}"/>
+                <a16:creationId xmlns:a16="http://schemas.microsoft.com/office/drawing/2014/main" id="{5DB2DB6F-0FA6-4105-BB3E-ECB4A98418B9}"/>
               </a:ext>
             </a:extLst>
           </p:cNvPr>
           <p:cNvPicPr>
-            <a:picLocks noGrp="1" noChangeAspect="1"/>
+            <a:picLocks noChangeAspect="1"/>
           </p:cNvPicPr>
-          <p:nvPr>
-            <p:ph idx="1"/>
-          </p:nvPr>
+          <p:nvPr/>
         </p:nvPicPr>
         <p:blipFill>
           <a:blip r:embed="rId2"/>
@@ -6353,85 +6951,18 @@
         </p:blipFill>
         <p:spPr>
           <a:xfrm>
-            <a:off x="5163378" y="2642532"/>
-            <a:ext cx="5438444" cy="3015595"/>
-          </a:xfrm>
-        </p:spPr>
-      </p:pic>
-      <p:sp>
-        <p:nvSpPr>
-          <p:cNvPr id="6" name="CaixaDeTexto 5">
-            <a:extLst>
-              <a:ext uri="{FF2B5EF4-FFF2-40B4-BE49-F238E27FC236}">
-                <a16:creationId xmlns:a16="http://schemas.microsoft.com/office/drawing/2014/main" id="{C160C0C3-5559-495B-81FB-1B383D394E48}"/>
-              </a:ext>
-            </a:extLst>
-          </p:cNvPr>
-          <p:cNvSpPr txBox="1"/>
-          <p:nvPr/>
-        </p:nvSpPr>
-        <p:spPr>
-          <a:xfrm>
-            <a:off x="419450" y="3129094"/>
-            <a:ext cx="3565321" cy="1477328"/>
+            <a:off x="1587572" y="1958736"/>
+            <a:ext cx="7682263" cy="4600798"/>
           </a:xfrm>
           <a:prstGeom prst="rect">
             <a:avLst/>
           </a:prstGeom>
-          <a:noFill/>
         </p:spPr>
-        <p:txBody>
-          <a:bodyPr wrap="square" rtlCol="0">
-            <a:spAutoFit/>
-          </a:bodyPr>
-          <a:lstStyle/>
-          <a:p>
-            <a:pPr marL="285750" indent="-285750">
-              <a:buFontTx/>
-              <a:buChar char="-"/>
-            </a:pPr>
-            <a:r>
-              <a:rPr lang="pt-BR" dirty="0"/>
-              <a:t>Definição</a:t>
-            </a:r>
-          </a:p>
-          <a:p>
-            <a:pPr marL="285750" indent="-285750">
-              <a:buFontTx/>
-              <a:buChar char="-"/>
-            </a:pPr>
-            <a:endParaRPr lang="pt-BR" dirty="0"/>
-          </a:p>
-          <a:p>
-            <a:pPr marL="285750" indent="-285750">
-              <a:buFontTx/>
-              <a:buChar char="-"/>
-            </a:pPr>
-            <a:endParaRPr lang="pt-BR" dirty="0"/>
-          </a:p>
-          <a:p>
-            <a:pPr marL="285750" indent="-285750">
-              <a:buFontTx/>
-              <a:buChar char="-"/>
-            </a:pPr>
-            <a:r>
-              <a:rPr lang="pt-BR" dirty="0"/>
-              <a:t>Relacionamentos</a:t>
-            </a:r>
-          </a:p>
-          <a:p>
-            <a:pPr marL="285750" indent="-285750">
-              <a:buFontTx/>
-              <a:buChar char="-"/>
-            </a:pPr>
-            <a:endParaRPr lang="pt-BR" dirty="0"/>
-          </a:p>
-        </p:txBody>
-      </p:sp>
+      </p:pic>
     </p:spTree>
     <p:extLst>
       <p:ext uri="{BB962C8B-B14F-4D97-AF65-F5344CB8AC3E}">
-        <p14:creationId xmlns:p14="http://schemas.microsoft.com/office/powerpoint/2010/main" val="233419460"/>
+        <p14:creationId xmlns:p14="http://schemas.microsoft.com/office/powerpoint/2010/main" val="2881832106"/>
       </p:ext>
     </p:extLst>
   </p:cSld>
@@ -6463,7 +6994,7 @@
           <p:cNvPr id="2" name="Título 1">
             <a:extLst>
               <a:ext uri="{FF2B5EF4-FFF2-40B4-BE49-F238E27FC236}">
-                <a16:creationId xmlns:a16="http://schemas.microsoft.com/office/drawing/2014/main" id="{EDB08E1C-E6D9-4CD4-94EE-1BDB042CB2DC}"/>
+                <a16:creationId xmlns:a16="http://schemas.microsoft.com/office/drawing/2014/main" id="{CB1253F6-22EC-4B6D-B73D-245372A3C968}"/>
               </a:ext>
             </a:extLst>
           </p:cNvPr>
@@ -6471,36 +7002,39 @@
             <a:spLocks noGrp="1"/>
           </p:cNvSpPr>
           <p:nvPr>
-            <p:ph type="title"/>
-          </p:nvPr>
-        </p:nvSpPr>
-        <p:spPr/>
+            <p:ph type="title" idx="4294967295"/>
+          </p:nvPr>
+        </p:nvSpPr>
+        <p:spPr>
+          <a:xfrm>
+            <a:off x="0" y="447675"/>
+            <a:ext cx="10572750" cy="969963"/>
+          </a:xfrm>
+        </p:spPr>
         <p:txBody>
           <a:bodyPr/>
           <a:lstStyle/>
           <a:p>
             <a:r>
               <a:rPr lang="pt-BR" dirty="0"/>
-              <a:t>Projeto Lógico</a:t>
+              <a:t>Diagrama de Casos de Uso</a:t>
             </a:r>
           </a:p>
         </p:txBody>
       </p:sp>
       <p:pic>
         <p:nvPicPr>
-          <p:cNvPr id="5" name="Espaço Reservado para Conteúdo 4">
+          <p:cNvPr id="3" name="Imagem 2">
             <a:extLst>
               <a:ext uri="{FF2B5EF4-FFF2-40B4-BE49-F238E27FC236}">
-                <a16:creationId xmlns:a16="http://schemas.microsoft.com/office/drawing/2014/main" id="{45FC40F7-BB4A-4EEE-8D67-95D555AC8543}"/>
+                <a16:creationId xmlns:a16="http://schemas.microsoft.com/office/drawing/2014/main" id="{2C1D25DA-6C0F-4569-9460-27DBBD3CA1AD}"/>
               </a:ext>
             </a:extLst>
           </p:cNvPr>
           <p:cNvPicPr>
-            <a:picLocks noGrp="1" noChangeAspect="1"/>
+            <a:picLocks noChangeAspect="1"/>
           </p:cNvPicPr>
-          <p:nvPr>
-            <p:ph idx="1"/>
-          </p:nvPr>
+          <p:nvPr/>
         </p:nvPicPr>
         <p:blipFill>
           <a:blip r:embed="rId2"/>
@@ -6510,78 +7044,18 @@
         </p:blipFill>
         <p:spPr>
           <a:xfrm>
-            <a:off x="5629013" y="2558060"/>
-            <a:ext cx="4559929" cy="3635439"/>
-          </a:xfrm>
-        </p:spPr>
-      </p:pic>
-      <p:sp>
-        <p:nvSpPr>
-          <p:cNvPr id="6" name="CaixaDeTexto 5">
-            <a:extLst>
-              <a:ext uri="{FF2B5EF4-FFF2-40B4-BE49-F238E27FC236}">
-                <a16:creationId xmlns:a16="http://schemas.microsoft.com/office/drawing/2014/main" id="{398281DD-5D5D-4C27-8DBD-BD57FD7345EE}"/>
-              </a:ext>
-            </a:extLst>
-          </p:cNvPr>
-          <p:cNvSpPr txBox="1"/>
-          <p:nvPr/>
-        </p:nvSpPr>
-        <p:spPr>
-          <a:xfrm>
-            <a:off x="704675" y="3087149"/>
-            <a:ext cx="3967993" cy="1200329"/>
+            <a:off x="1494586" y="1979803"/>
+            <a:ext cx="9078164" cy="4141846"/>
           </a:xfrm>
           <a:prstGeom prst="rect">
             <a:avLst/>
           </a:prstGeom>
-          <a:noFill/>
         </p:spPr>
-        <p:txBody>
-          <a:bodyPr wrap="square" rtlCol="0">
-            <a:spAutoFit/>
-          </a:bodyPr>
-          <a:lstStyle/>
-          <a:p>
-            <a:pPr marL="285750" indent="-285750">
-              <a:buFontTx/>
-              <a:buChar char="-"/>
-            </a:pPr>
-            <a:r>
-              <a:rPr lang="pt-BR" dirty="0"/>
-              <a:t>Chaves</a:t>
-            </a:r>
-          </a:p>
-          <a:p>
-            <a:pPr marL="285750" indent="-285750">
-              <a:buFontTx/>
-              <a:buChar char="-"/>
-            </a:pPr>
-            <a:endParaRPr lang="pt-BR" dirty="0"/>
-          </a:p>
-          <a:p>
-            <a:pPr marL="285750" indent="-285750">
-              <a:buFontTx/>
-              <a:buChar char="-"/>
-            </a:pPr>
-            <a:endParaRPr lang="pt-BR" dirty="0"/>
-          </a:p>
-          <a:p>
-            <a:pPr marL="285750" indent="-285750">
-              <a:buFontTx/>
-              <a:buChar char="-"/>
-            </a:pPr>
-            <a:r>
-              <a:rPr lang="pt-BR" dirty="0"/>
-              <a:t>Tabelas</a:t>
-            </a:r>
-          </a:p>
-        </p:txBody>
-      </p:sp>
+      </p:pic>
     </p:spTree>
     <p:extLst>
       <p:ext uri="{BB962C8B-B14F-4D97-AF65-F5344CB8AC3E}">
-        <p14:creationId xmlns:p14="http://schemas.microsoft.com/office/powerpoint/2010/main" val="2409260841"/>
+        <p14:creationId xmlns:p14="http://schemas.microsoft.com/office/powerpoint/2010/main" val="1677522103"/>
       </p:ext>
     </p:extLst>
   </p:cSld>
@@ -6613,7 +7087,7 @@
           <p:cNvPr id="2" name="Título 1">
             <a:extLst>
               <a:ext uri="{FF2B5EF4-FFF2-40B4-BE49-F238E27FC236}">
-                <a16:creationId xmlns:a16="http://schemas.microsoft.com/office/drawing/2014/main" id="{FE683C14-D8C1-4AAA-9C3E-B9334246E7EB}"/>
+                <a16:creationId xmlns:a16="http://schemas.microsoft.com/office/drawing/2014/main" id="{B1101042-8D52-4C82-B062-772AB72C0A79}"/>
               </a:ext>
             </a:extLst>
           </p:cNvPr>
@@ -6631,7 +7105,7 @@
           <a:p>
             <a:r>
               <a:rPr lang="pt-BR" dirty="0"/>
-              <a:t>Projeto Físico</a:t>
+              <a:t>Diagrama de Classes</a:t>
             </a:r>
           </a:p>
         </p:txBody>
@@ -6641,7 +7115,7 @@
           <p:cNvPr id="3" name="Espaço Reservado para Conteúdo 2">
             <a:extLst>
               <a:ext uri="{FF2B5EF4-FFF2-40B4-BE49-F238E27FC236}">
-                <a16:creationId xmlns:a16="http://schemas.microsoft.com/office/drawing/2014/main" id="{B9D1DC32-AEDD-47E5-9510-CB6F40DD0725}"/>
+                <a16:creationId xmlns:a16="http://schemas.microsoft.com/office/drawing/2014/main" id="{66676F0F-069F-4D7A-BE4C-06A323F96F6F}"/>
               </a:ext>
             </a:extLst>
           </p:cNvPr>
@@ -6657,106 +7131,14 @@
           <a:bodyPr/>
           <a:lstStyle/>
           <a:p>
-            <a:endParaRPr lang="pt-BR" dirty="0"/>
-          </a:p>
-        </p:txBody>
-      </p:sp>
-      <p:pic>
-        <p:nvPicPr>
-          <p:cNvPr id="4" name="Imagem 3">
-            <a:extLst>
-              <a:ext uri="{FF2B5EF4-FFF2-40B4-BE49-F238E27FC236}">
-                <a16:creationId xmlns:a16="http://schemas.microsoft.com/office/drawing/2014/main" id="{D110E72C-87BD-44B6-93B7-A8C47AC6D85E}"/>
-              </a:ext>
-            </a:extLst>
-          </p:cNvPr>
-          <p:cNvPicPr>
-            <a:picLocks noChangeAspect="1"/>
-          </p:cNvPicPr>
-          <p:nvPr/>
-        </p:nvPicPr>
-        <p:blipFill>
-          <a:blip r:embed="rId2"/>
-          <a:stretch>
-            <a:fillRect/>
-          </a:stretch>
-        </p:blipFill>
-        <p:spPr>
-          <a:xfrm>
-            <a:off x="6618914" y="2389464"/>
-            <a:ext cx="4028244" cy="3469334"/>
-          </a:xfrm>
-          <a:prstGeom prst="rect">
-            <a:avLst/>
-          </a:prstGeom>
-        </p:spPr>
-      </p:pic>
-      <p:sp>
-        <p:nvSpPr>
-          <p:cNvPr id="6" name="CaixaDeTexto 5">
-            <a:extLst>
-              <a:ext uri="{FF2B5EF4-FFF2-40B4-BE49-F238E27FC236}">
-                <a16:creationId xmlns:a16="http://schemas.microsoft.com/office/drawing/2014/main" id="{B24B8D41-296C-484B-91C4-131082C5B615}"/>
-              </a:ext>
-            </a:extLst>
-          </p:cNvPr>
-          <p:cNvSpPr txBox="1"/>
-          <p:nvPr/>
-        </p:nvSpPr>
-        <p:spPr>
-          <a:xfrm>
-            <a:off x="562062" y="2877424"/>
-            <a:ext cx="4311942" cy="1477328"/>
-          </a:xfrm>
-          <a:prstGeom prst="rect">
-            <a:avLst/>
-          </a:prstGeom>
-          <a:noFill/>
-        </p:spPr>
-        <p:txBody>
-          <a:bodyPr wrap="square" rtlCol="0">
-            <a:spAutoFit/>
-          </a:bodyPr>
-          <a:lstStyle/>
-          <a:p>
-            <a:pPr marL="285750" indent="-285750">
-              <a:buFontTx/>
-              <a:buChar char="-"/>
-            </a:pPr>
-            <a:r>
-              <a:rPr lang="pt-BR" dirty="0"/>
-              <a:t>Metadados</a:t>
-            </a:r>
-          </a:p>
-          <a:p>
-            <a:pPr marL="285750" indent="-285750">
-              <a:buFontTx/>
-              <a:buChar char="-"/>
-            </a:pPr>
-            <a:endParaRPr lang="pt-BR" dirty="0"/>
-          </a:p>
-          <a:p>
-            <a:pPr marL="285750" indent="-285750">
-              <a:buFontTx/>
-              <a:buChar char="-"/>
-            </a:pPr>
-            <a:endParaRPr lang="pt-BR" dirty="0"/>
-          </a:p>
-          <a:p>
-            <a:endParaRPr lang="pt-BR" dirty="0"/>
-          </a:p>
-          <a:p>
-            <a:r>
-              <a:rPr lang="pt-BR" dirty="0"/>
-              <a:t>- Integração</a:t>
-            </a:r>
+            <a:endParaRPr lang="pt-BR"/>
           </a:p>
         </p:txBody>
       </p:sp>
     </p:spTree>
     <p:extLst>
       <p:ext uri="{BB962C8B-B14F-4D97-AF65-F5344CB8AC3E}">
-        <p14:creationId xmlns:p14="http://schemas.microsoft.com/office/powerpoint/2010/main" val="1890976852"/>
+        <p14:creationId xmlns:p14="http://schemas.microsoft.com/office/powerpoint/2010/main" val="1706480695"/>
       </p:ext>
     </p:extLst>
   </p:cSld>
@@ -6788,7 +7170,7 @@
           <p:cNvPr id="2" name="Título 1">
             <a:extLst>
               <a:ext uri="{FF2B5EF4-FFF2-40B4-BE49-F238E27FC236}">
-                <a16:creationId xmlns:a16="http://schemas.microsoft.com/office/drawing/2014/main" id="{D707DC1A-9A21-4188-9D34-89AD2661B76C}"/>
+                <a16:creationId xmlns:a16="http://schemas.microsoft.com/office/drawing/2014/main" id="{0E6AE7C7-429C-4D82-8706-252C85520487}"/>
               </a:ext>
             </a:extLst>
           </p:cNvPr>
@@ -6806,136 +7188,26 @@
           <a:p>
             <a:r>
               <a:rPr lang="pt-BR" dirty="0"/>
-              <a:t>Programa</a:t>
-            </a:r>
-          </a:p>
-        </p:txBody>
-      </p:sp>
-      <p:sp>
-        <p:nvSpPr>
-          <p:cNvPr id="3" name="Espaço Reservado para Conteúdo 2">
+              <a:t>Projeto Conceitual</a:t>
+            </a:r>
+          </a:p>
+        </p:txBody>
+      </p:sp>
+      <p:pic>
+        <p:nvPicPr>
+          <p:cNvPr id="5" name="Espaço Reservado para Conteúdo 4">
             <a:extLst>
               <a:ext uri="{FF2B5EF4-FFF2-40B4-BE49-F238E27FC236}">
-                <a16:creationId xmlns:a16="http://schemas.microsoft.com/office/drawing/2014/main" id="{D26D6231-6041-4477-BB5E-D6CBB51DE5C1}"/>
-              </a:ext>
-            </a:extLst>
-          </p:cNvPr>
-          <p:cNvSpPr>
-            <a:spLocks noGrp="1"/>
-          </p:cNvSpPr>
-          <p:nvPr>
-            <p:ph idx="1"/>
-          </p:nvPr>
-        </p:nvSpPr>
-        <p:spPr/>
-        <p:txBody>
-          <a:bodyPr/>
-          <a:lstStyle/>
-          <a:p>
-            <a:endParaRPr lang="pt-BR"/>
-          </a:p>
-        </p:txBody>
-      </p:sp>
-      <p:sp>
-        <p:nvSpPr>
-          <p:cNvPr id="4" name="CaixaDeTexto 3">
-            <a:extLst>
-              <a:ext uri="{FF2B5EF4-FFF2-40B4-BE49-F238E27FC236}">
-                <a16:creationId xmlns:a16="http://schemas.microsoft.com/office/drawing/2014/main" id="{D9461310-DAE6-4C5F-8857-1CA8D7B4C873}"/>
-              </a:ext>
-            </a:extLst>
-          </p:cNvPr>
-          <p:cNvSpPr txBox="1"/>
-          <p:nvPr/>
-        </p:nvSpPr>
-        <p:spPr>
-          <a:xfrm>
-            <a:off x="444617" y="3020037"/>
-            <a:ext cx="3850546" cy="2031325"/>
-          </a:xfrm>
-          <a:prstGeom prst="rect">
-            <a:avLst/>
-          </a:prstGeom>
-          <a:noFill/>
-        </p:spPr>
-        <p:txBody>
-          <a:bodyPr wrap="square" rtlCol="0">
-            <a:spAutoFit/>
-          </a:bodyPr>
-          <a:lstStyle/>
-          <a:p>
-            <a:pPr marL="285750" indent="-285750">
-              <a:buFontTx/>
-              <a:buChar char="-"/>
-            </a:pPr>
-            <a:r>
-              <a:rPr lang="pt-BR" dirty="0"/>
-              <a:t>Java</a:t>
-            </a:r>
-          </a:p>
-          <a:p>
-            <a:pPr marL="285750" indent="-285750">
-              <a:buFontTx/>
-              <a:buChar char="-"/>
-            </a:pPr>
-            <a:endParaRPr lang="pt-BR" dirty="0"/>
-          </a:p>
-          <a:p>
-            <a:pPr marL="285750" indent="-285750">
-              <a:buFontTx/>
-              <a:buChar char="-"/>
-            </a:pPr>
-            <a:endParaRPr lang="pt-BR" dirty="0"/>
-          </a:p>
-          <a:p>
-            <a:pPr marL="285750" indent="-285750">
-              <a:buFontTx/>
-              <a:buChar char="-"/>
-            </a:pPr>
-            <a:r>
-              <a:rPr lang="pt-BR" dirty="0"/>
-              <a:t>SQL</a:t>
-            </a:r>
-          </a:p>
-          <a:p>
-            <a:pPr marL="285750" indent="-285750">
-              <a:buFontTx/>
-              <a:buChar char="-"/>
-            </a:pPr>
-            <a:endParaRPr lang="pt-BR" dirty="0"/>
-          </a:p>
-          <a:p>
-            <a:pPr marL="285750" indent="-285750">
-              <a:buFontTx/>
-              <a:buChar char="-"/>
-            </a:pPr>
-            <a:endParaRPr lang="pt-BR" dirty="0"/>
-          </a:p>
-          <a:p>
-            <a:pPr marL="285750" indent="-285750">
-              <a:buFontTx/>
-              <a:buChar char="-"/>
-            </a:pPr>
-            <a:r>
-              <a:rPr lang="pt-BR" dirty="0"/>
-              <a:t>Funcionamento</a:t>
-            </a:r>
-          </a:p>
-        </p:txBody>
-      </p:sp>
-      <p:pic>
-        <p:nvPicPr>
-          <p:cNvPr id="5" name="Imagem 4">
-            <a:extLst>
-              <a:ext uri="{FF2B5EF4-FFF2-40B4-BE49-F238E27FC236}">
-                <a16:creationId xmlns:a16="http://schemas.microsoft.com/office/drawing/2014/main" id="{448F401E-03AD-4941-9F51-B419F3F476BB}"/>
+                <a16:creationId xmlns:a16="http://schemas.microsoft.com/office/drawing/2014/main" id="{807BAEDD-DE30-48BC-8A49-DE2D5EE5238C}"/>
               </a:ext>
             </a:extLst>
           </p:cNvPr>
           <p:cNvPicPr>
-            <a:picLocks noChangeAspect="1"/>
+            <a:picLocks noGrp="1" noChangeAspect="1"/>
           </p:cNvPicPr>
-          <p:nvPr/>
+          <p:nvPr>
+            <p:ph idx="1"/>
+          </p:nvPr>
         </p:nvPicPr>
         <p:blipFill>
           <a:blip r:embed="rId2"/>
@@ -6945,18 +7217,85 @@
         </p:blipFill>
         <p:spPr>
           <a:xfrm>
-            <a:off x="5423594" y="2379051"/>
-            <a:ext cx="4946489" cy="3181713"/>
+            <a:off x="5163378" y="2642532"/>
+            <a:ext cx="5438444" cy="3015595"/>
+          </a:xfrm>
+        </p:spPr>
+      </p:pic>
+      <p:sp>
+        <p:nvSpPr>
+          <p:cNvPr id="6" name="CaixaDeTexto 5">
+            <a:extLst>
+              <a:ext uri="{FF2B5EF4-FFF2-40B4-BE49-F238E27FC236}">
+                <a16:creationId xmlns:a16="http://schemas.microsoft.com/office/drawing/2014/main" id="{C160C0C3-5559-495B-81FB-1B383D394E48}"/>
+              </a:ext>
+            </a:extLst>
+          </p:cNvPr>
+          <p:cNvSpPr txBox="1"/>
+          <p:nvPr/>
+        </p:nvSpPr>
+        <p:spPr>
+          <a:xfrm>
+            <a:off x="419450" y="3129094"/>
+            <a:ext cx="3565321" cy="1477328"/>
           </a:xfrm>
           <a:prstGeom prst="rect">
             <a:avLst/>
           </a:prstGeom>
+          <a:noFill/>
         </p:spPr>
-      </p:pic>
+        <p:txBody>
+          <a:bodyPr wrap="square" rtlCol="0">
+            <a:spAutoFit/>
+          </a:bodyPr>
+          <a:lstStyle/>
+          <a:p>
+            <a:pPr marL="285750" indent="-285750">
+              <a:buFontTx/>
+              <a:buChar char="-"/>
+            </a:pPr>
+            <a:r>
+              <a:rPr lang="pt-BR" dirty="0"/>
+              <a:t>Definição</a:t>
+            </a:r>
+          </a:p>
+          <a:p>
+            <a:pPr marL="285750" indent="-285750">
+              <a:buFontTx/>
+              <a:buChar char="-"/>
+            </a:pPr>
+            <a:endParaRPr lang="pt-BR" dirty="0"/>
+          </a:p>
+          <a:p>
+            <a:pPr marL="285750" indent="-285750">
+              <a:buFontTx/>
+              <a:buChar char="-"/>
+            </a:pPr>
+            <a:endParaRPr lang="pt-BR" dirty="0"/>
+          </a:p>
+          <a:p>
+            <a:pPr marL="285750" indent="-285750">
+              <a:buFontTx/>
+              <a:buChar char="-"/>
+            </a:pPr>
+            <a:r>
+              <a:rPr lang="pt-BR" dirty="0"/>
+              <a:t>Relacionamentos</a:t>
+            </a:r>
+          </a:p>
+          <a:p>
+            <a:pPr marL="285750" indent="-285750">
+              <a:buFontTx/>
+              <a:buChar char="-"/>
+            </a:pPr>
+            <a:endParaRPr lang="pt-BR" dirty="0"/>
+          </a:p>
+        </p:txBody>
+      </p:sp>
     </p:spTree>
     <p:extLst>
       <p:ext uri="{BB962C8B-B14F-4D97-AF65-F5344CB8AC3E}">
-        <p14:creationId xmlns:p14="http://schemas.microsoft.com/office/powerpoint/2010/main" val="2880436270"/>
+        <p14:creationId xmlns:p14="http://schemas.microsoft.com/office/powerpoint/2010/main" val="233419460"/>
       </p:ext>
     </p:extLst>
   </p:cSld>

--- a/IODware.pptx
+++ b/IODware.pptx
@@ -120,7 +120,7 @@
   </p:defaultTextStyle>
   <p:extLst>
     <p:ext uri="{EFAFB233-063F-42B5-8137-9DF3F51BA10A}">
-      <p15:sldGuideLst xmlns:p15="http://schemas.microsoft.com/office/powerpoint/2012/main"/>
+      <p15:sldGuideLst xmlns:p15="http://schemas.microsoft.com/office/powerpoint/2012/main" xmlns=""/>
     </p:ext>
   </p:extLst>
 </p:presentation>
@@ -220,8 +220,8 @@
           <a:ln/>
           <a:effectLst/>
           <a:extLst>
-            <a:ext uri="{91240B29-F687-4f45-9708-019B960494DF}">
-              <a14:hiddenLine xmlns="" xmlns:a14="http://schemas.microsoft.com/office/drawing/2010/main" w="9525">
+            <a:ext uri="{91240B29-F687-4F45-9708-019B960494DF}">
+              <a14:hiddenLine xmlns:a14="http://schemas.microsoft.com/office/drawing/2010/main" w="9525">
                 <a:solidFill>
                   <a:srgbClr val="000000"/>
                 </a:solidFill>
@@ -414,7 +414,7 @@
             <a:fld id="{08B9EBBA-996F-894A-B54A-D6246ED52CEA}" type="datetimeFigureOut">
               <a:rPr lang="en-US" dirty="0"/>
               <a:pPr/>
-              <a:t>6/26/2019</a:t>
+              <a:t>6/27/2019</a:t>
             </a:fld>
             <a:endParaRPr lang="en-US" dirty="0"/>
           </a:p>
@@ -729,7 +729,7 @@
             <a:fld id="{18C79C5D-2A6F-F04D-97DA-BEF2467B64E4}" type="datetimeFigureOut">
               <a:rPr lang="en-US" dirty="0"/>
               <a:pPr/>
-              <a:t>6/26/2019</a:t>
+              <a:t>6/27/2019</a:t>
             </a:fld>
             <a:endParaRPr lang="en-US" dirty="0"/>
           </a:p>
@@ -1214,7 +1214,7 @@
             <a:fld id="{8DFA1846-DA80-1C48-A609-854EA85C59AD}" type="datetimeFigureOut">
               <a:rPr lang="en-US" dirty="0"/>
               <a:pPr/>
-              <a:t>6/26/2019</a:t>
+              <a:t>6/27/2019</a:t>
             </a:fld>
             <a:endParaRPr lang="en-US" dirty="0"/>
           </a:p>
@@ -1580,7 +1580,7 @@
             <a:fld id="{FBF54567-0DE4-3F47-BF90-CB84690072F9}" type="datetimeFigureOut">
               <a:rPr lang="en-US" dirty="0"/>
               <a:pPr/>
-              <a:t>6/26/2019</a:t>
+              <a:t>6/27/2019</a:t>
             </a:fld>
             <a:endParaRPr lang="en-US" dirty="0"/>
           </a:p>
@@ -1730,8 +1730,8 @@
           </a:custGeom>
           <a:ln/>
           <a:extLst>
-            <a:ext uri="{91240B29-F687-4f45-9708-019B960494DF}">
-              <a14:hiddenLine xmlns="" xmlns:a14="http://schemas.microsoft.com/office/drawing/2010/main" w="9525">
+            <a:ext uri="{91240B29-F687-4F45-9708-019B960494DF}">
+              <a14:hiddenLine xmlns:a14="http://schemas.microsoft.com/office/drawing/2010/main" w="9525">
                 <a:solidFill>
                   <a:srgbClr val="000000"/>
                 </a:solidFill>
@@ -1850,7 +1850,7 @@
             <a:fld id="{C6C52C72-DE31-F449-A4ED-4C594FD91407}" type="datetimeFigureOut">
               <a:rPr lang="en-US" dirty="0"/>
               <a:pPr/>
-              <a:t>6/26/2019</a:t>
+              <a:t>6/27/2019</a:t>
             </a:fld>
             <a:endParaRPr lang="en-US" dirty="0"/>
           </a:p>
@@ -2002,8 +2002,8 @@
           </a:custGeom>
           <a:ln/>
           <a:extLst>
-            <a:ext uri="{91240B29-F687-4f45-9708-019B960494DF}">
-              <a14:hiddenLine xmlns="" xmlns:a14="http://schemas.microsoft.com/office/drawing/2010/main" w="9525">
+            <a:ext uri="{91240B29-F687-4F45-9708-019B960494DF}">
+              <a14:hiddenLine xmlns:a14="http://schemas.microsoft.com/office/drawing/2010/main" w="9525">
                 <a:solidFill>
                   <a:srgbClr val="000000"/>
                 </a:solidFill>
@@ -2132,7 +2132,7 @@
             <a:fld id="{ED62726E-379B-B349-9EED-81ED093FA806}" type="datetimeFigureOut">
               <a:rPr lang="en-US" dirty="0"/>
               <a:pPr/>
-              <a:t>6/26/2019</a:t>
+              <a:t>6/27/2019</a:t>
             </a:fld>
             <a:endParaRPr lang="en-US" dirty="0"/>
           </a:p>
@@ -2282,8 +2282,8 @@
           </a:custGeom>
           <a:ln/>
           <a:extLst>
-            <a:ext uri="{91240B29-F687-4f45-9708-019B960494DF}">
-              <a14:hiddenLine xmlns="" xmlns:a14="http://schemas.microsoft.com/office/drawing/2010/main" w="9525">
+            <a:ext uri="{91240B29-F687-4F45-9708-019B960494DF}">
+              <a14:hiddenLine xmlns:a14="http://schemas.microsoft.com/office/drawing/2010/main" w="9525">
                 <a:solidFill>
                   <a:srgbClr val="000000"/>
                 </a:solidFill>
@@ -2412,7 +2412,7 @@
             <a:fld id="{9B3A1323-8D79-1946-B0D7-40001CF92E9D}" type="datetimeFigureOut">
               <a:rPr lang="en-US" dirty="0"/>
               <a:pPr/>
-              <a:t>6/26/2019</a:t>
+              <a:t>6/27/2019</a:t>
             </a:fld>
             <a:endParaRPr lang="en-US" dirty="0"/>
           </a:p>
@@ -2752,7 +2752,7 @@
             <a:fld id="{8DFA1846-DA80-1C48-A609-854EA85C59AD}" type="datetimeFigureOut">
               <a:rPr lang="en-US" dirty="0"/>
               <a:pPr/>
-              <a:t>6/26/2019</a:t>
+              <a:t>6/27/2019</a:t>
             </a:fld>
             <a:endParaRPr lang="en-US" dirty="0"/>
           </a:p>
@@ -2902,8 +2902,8 @@
           </a:custGeom>
           <a:ln/>
           <a:extLst>
-            <a:ext uri="{91240B29-F687-4f45-9708-019B960494DF}">
-              <a14:hiddenLine xmlns="" xmlns:a14="http://schemas.microsoft.com/office/drawing/2010/main" w="9525">
+            <a:ext uri="{91240B29-F687-4F45-9708-019B960494DF}">
+              <a14:hiddenLine xmlns:a14="http://schemas.microsoft.com/office/drawing/2010/main" w="9525">
                 <a:solidFill>
                   <a:srgbClr val="000000"/>
                 </a:solidFill>
@@ -3088,7 +3088,7 @@
             <a:fld id="{57302355-E14B-8545-A8F8-0FE83CC9D524}" type="datetimeFigureOut">
               <a:rPr lang="en-US" dirty="0"/>
               <a:pPr/>
-              <a:t>6/26/2019</a:t>
+              <a:t>6/27/2019</a:t>
             </a:fld>
             <a:endParaRPr lang="en-US" dirty="0"/>
           </a:p>
@@ -3238,8 +3238,8 @@
           </a:custGeom>
           <a:ln/>
           <a:extLst>
-            <a:ext uri="{91240B29-F687-4f45-9708-019B960494DF}">
-              <a14:hiddenLine xmlns="" xmlns:a14="http://schemas.microsoft.com/office/drawing/2010/main" w="9525">
+            <a:ext uri="{91240B29-F687-4F45-9708-019B960494DF}">
+              <a14:hiddenLine xmlns:a14="http://schemas.microsoft.com/office/drawing/2010/main" w="9525">
                 <a:solidFill>
                   <a:srgbClr val="000000"/>
                 </a:solidFill>
@@ -3562,7 +3562,7 @@
             <a:fld id="{02640F58-564D-2B4F-AE67-E407BA4FCF45}" type="datetimeFigureOut">
               <a:rPr lang="en-US" dirty="0"/>
               <a:pPr/>
-              <a:t>6/26/2019</a:t>
+              <a:t>6/27/2019</a:t>
             </a:fld>
             <a:endParaRPr lang="en-US" dirty="0"/>
           </a:p>
@@ -3712,8 +3712,8 @@
           </a:custGeom>
           <a:ln/>
           <a:extLst>
-            <a:ext uri="{91240B29-F687-4f45-9708-019B960494DF}">
-              <a14:hiddenLine xmlns="" xmlns:a14="http://schemas.microsoft.com/office/drawing/2010/main" w="9525">
+            <a:ext uri="{91240B29-F687-4F45-9708-019B960494DF}">
+              <a14:hiddenLine xmlns:a14="http://schemas.microsoft.com/office/drawing/2010/main" w="9525">
                 <a:solidFill>
                   <a:srgbClr val="000000"/>
                 </a:solidFill>
@@ -3780,7 +3780,7 @@
             <a:fld id="{F13A34C8-038E-2045-AF43-DF7DBB8E0E9E}" type="datetimeFigureOut">
               <a:rPr lang="en-US" dirty="0"/>
               <a:pPr/>
-              <a:t>6/26/2019</a:t>
+              <a:t>6/27/2019</a:t>
             </a:fld>
             <a:endParaRPr lang="en-US" dirty="0"/>
           </a:p>
@@ -3872,7 +3872,7 @@
             <a:fld id="{8818C68F-D26B-8F47-958C-23B49CF8A634}" type="datetimeFigureOut">
               <a:rPr lang="en-US" dirty="0"/>
               <a:pPr/>
-              <a:t>6/26/2019</a:t>
+              <a:t>6/27/2019</a:t>
             </a:fld>
             <a:endParaRPr lang="en-US" dirty="0"/>
           </a:p>
@@ -4135,8 +4135,8 @@
           </a:custGeom>
           <a:ln/>
           <a:extLst>
-            <a:ext uri="{91240B29-F687-4f45-9708-019B960494DF}">
-              <a14:hiddenLine xmlns="" xmlns:a14="http://schemas.microsoft.com/office/drawing/2010/main" w="9525">
+            <a:ext uri="{91240B29-F687-4F45-9708-019B960494DF}">
+              <a14:hiddenLine xmlns:a14="http://schemas.microsoft.com/office/drawing/2010/main" w="9525">
                 <a:solidFill>
                   <a:srgbClr val="000000"/>
                 </a:solidFill>
@@ -4336,7 +4336,7 @@
             <a:fld id="{D0DF5E60-9974-AC48-9591-99C2BB44B7CF}" type="datetimeFigureOut">
               <a:rPr lang="en-US" dirty="0"/>
               <a:pPr/>
-              <a:t>6/26/2019</a:t>
+              <a:t>6/27/2019</a:t>
             </a:fld>
             <a:endParaRPr lang="en-US" dirty="0"/>
           </a:p>
@@ -4646,7 +4646,7 @@
             <a:fld id="{18C79C5D-2A6F-F04D-97DA-BEF2467B64E4}" type="datetimeFigureOut">
               <a:rPr lang="en-US" dirty="0"/>
               <a:pPr/>
-              <a:t>6/26/2019</a:t>
+              <a:t>6/27/2019</a:t>
             </a:fld>
             <a:endParaRPr lang="en-US" dirty="0"/>
           </a:p>
@@ -4913,7 +4913,7 @@
             <a:fld id="{09B482E8-6E0E-1B4F-B1FD-C69DB9E858D9}" type="datetimeFigureOut">
               <a:rPr lang="en-US" dirty="0"/>
               <a:pPr/>
-              <a:t>6/26/2019</a:t>
+              <a:t>6/27/2019</a:t>
             </a:fld>
             <a:endParaRPr lang="en-US" dirty="0"/>
           </a:p>
@@ -5364,7 +5364,7 @@
           <p:cNvPr id="2" name="Título 1">
             <a:extLst>
               <a:ext uri="{FF2B5EF4-FFF2-40B4-BE49-F238E27FC236}">
-                <a16:creationId xmlns:a16="http://schemas.microsoft.com/office/drawing/2014/main" id="{D0CC2902-F53E-400A-A861-488FFCC6F599}"/>
+                <a16:creationId xmlns:a16="http://schemas.microsoft.com/office/drawing/2014/main" xmlns="" id="{D0CC2902-F53E-400A-A861-488FFCC6F599}"/>
               </a:ext>
             </a:extLst>
           </p:cNvPr>
@@ -5393,7 +5393,7 @@
           <p:cNvPr id="3" name="Subtítulo 2">
             <a:extLst>
               <a:ext uri="{FF2B5EF4-FFF2-40B4-BE49-F238E27FC236}">
-                <a16:creationId xmlns:a16="http://schemas.microsoft.com/office/drawing/2014/main" id="{2A637576-20D8-43F2-AA17-27A20F6557DD}"/>
+                <a16:creationId xmlns:a16="http://schemas.microsoft.com/office/drawing/2014/main" xmlns="" id="{2A637576-20D8-43F2-AA17-27A20F6557DD}"/>
               </a:ext>
             </a:extLst>
           </p:cNvPr>
@@ -5429,7 +5429,7 @@
           <p:cNvPr id="4" name="CaixaDeTexto 3">
             <a:extLst>
               <a:ext uri="{FF2B5EF4-FFF2-40B4-BE49-F238E27FC236}">
-                <a16:creationId xmlns:a16="http://schemas.microsoft.com/office/drawing/2014/main" id="{F0DC1F70-F5CE-42D5-9182-D280F91A56E4}"/>
+                <a16:creationId xmlns:a16="http://schemas.microsoft.com/office/drawing/2014/main" xmlns="" id="{F0DC1F70-F5CE-42D5-9182-D280F91A56E4}"/>
               </a:ext>
             </a:extLst>
           </p:cNvPr>
@@ -5508,7 +5508,7 @@
           <p:cNvPr id="2" name="Título 1">
             <a:extLst>
               <a:ext uri="{FF2B5EF4-FFF2-40B4-BE49-F238E27FC236}">
-                <a16:creationId xmlns:a16="http://schemas.microsoft.com/office/drawing/2014/main" id="{EDB08E1C-E6D9-4CD4-94EE-1BDB042CB2DC}"/>
+                <a16:creationId xmlns:a16="http://schemas.microsoft.com/office/drawing/2014/main" xmlns="" id="{EDB08E1C-E6D9-4CD4-94EE-1BDB042CB2DC}"/>
               </a:ext>
             </a:extLst>
           </p:cNvPr>
@@ -5536,7 +5536,7 @@
           <p:cNvPr id="5" name="Espaço Reservado para Conteúdo 4">
             <a:extLst>
               <a:ext uri="{FF2B5EF4-FFF2-40B4-BE49-F238E27FC236}">
-                <a16:creationId xmlns:a16="http://schemas.microsoft.com/office/drawing/2014/main" id="{45FC40F7-BB4A-4EEE-8D67-95D555AC8543}"/>
+                <a16:creationId xmlns:a16="http://schemas.microsoft.com/office/drawing/2014/main" xmlns="" id="{45FC40F7-BB4A-4EEE-8D67-95D555AC8543}"/>
               </a:ext>
             </a:extLst>
           </p:cNvPr>
@@ -5565,7 +5565,7 @@
           <p:cNvPr id="6" name="CaixaDeTexto 5">
             <a:extLst>
               <a:ext uri="{FF2B5EF4-FFF2-40B4-BE49-F238E27FC236}">
-                <a16:creationId xmlns:a16="http://schemas.microsoft.com/office/drawing/2014/main" id="{398281DD-5D5D-4C27-8DBD-BD57FD7345EE}"/>
+                <a16:creationId xmlns:a16="http://schemas.microsoft.com/office/drawing/2014/main" xmlns="" id="{398281DD-5D5D-4C27-8DBD-BD57FD7345EE}"/>
               </a:ext>
             </a:extLst>
           </p:cNvPr>
@@ -5658,7 +5658,7 @@
           <p:cNvPr id="2" name="Título 1">
             <a:extLst>
               <a:ext uri="{FF2B5EF4-FFF2-40B4-BE49-F238E27FC236}">
-                <a16:creationId xmlns:a16="http://schemas.microsoft.com/office/drawing/2014/main" id="{FE683C14-D8C1-4AAA-9C3E-B9334246E7EB}"/>
+                <a16:creationId xmlns:a16="http://schemas.microsoft.com/office/drawing/2014/main" xmlns="" id="{FE683C14-D8C1-4AAA-9C3E-B9334246E7EB}"/>
               </a:ext>
             </a:extLst>
           </p:cNvPr>
@@ -5686,7 +5686,7 @@
           <p:cNvPr id="3" name="Espaço Reservado para Conteúdo 2">
             <a:extLst>
               <a:ext uri="{FF2B5EF4-FFF2-40B4-BE49-F238E27FC236}">
-                <a16:creationId xmlns:a16="http://schemas.microsoft.com/office/drawing/2014/main" id="{B9D1DC32-AEDD-47E5-9510-CB6F40DD0725}"/>
+                <a16:creationId xmlns:a16="http://schemas.microsoft.com/office/drawing/2014/main" xmlns="" id="{B9D1DC32-AEDD-47E5-9510-CB6F40DD0725}"/>
               </a:ext>
             </a:extLst>
           </p:cNvPr>
@@ -5711,7 +5711,7 @@
           <p:cNvPr id="4" name="Imagem 3">
             <a:extLst>
               <a:ext uri="{FF2B5EF4-FFF2-40B4-BE49-F238E27FC236}">
-                <a16:creationId xmlns:a16="http://schemas.microsoft.com/office/drawing/2014/main" id="{D110E72C-87BD-44B6-93B7-A8C47AC6D85E}"/>
+                <a16:creationId xmlns:a16="http://schemas.microsoft.com/office/drawing/2014/main" xmlns="" id="{D110E72C-87BD-44B6-93B7-A8C47AC6D85E}"/>
               </a:ext>
             </a:extLst>
           </p:cNvPr>
@@ -5741,7 +5741,7 @@
           <p:cNvPr id="6" name="CaixaDeTexto 5">
             <a:extLst>
               <a:ext uri="{FF2B5EF4-FFF2-40B4-BE49-F238E27FC236}">
-                <a16:creationId xmlns:a16="http://schemas.microsoft.com/office/drawing/2014/main" id="{B24B8D41-296C-484B-91C4-131082C5B615}"/>
+                <a16:creationId xmlns:a16="http://schemas.microsoft.com/office/drawing/2014/main" xmlns="" id="{B24B8D41-296C-484B-91C4-131082C5B615}"/>
               </a:ext>
             </a:extLst>
           </p:cNvPr>
@@ -5833,7 +5833,7 @@
           <p:cNvPr id="2" name="Título 1">
             <a:extLst>
               <a:ext uri="{FF2B5EF4-FFF2-40B4-BE49-F238E27FC236}">
-                <a16:creationId xmlns:a16="http://schemas.microsoft.com/office/drawing/2014/main" id="{D707DC1A-9A21-4188-9D34-89AD2661B76C}"/>
+                <a16:creationId xmlns:a16="http://schemas.microsoft.com/office/drawing/2014/main" xmlns="" id="{D707DC1A-9A21-4188-9D34-89AD2661B76C}"/>
               </a:ext>
             </a:extLst>
           </p:cNvPr>
@@ -5861,7 +5861,7 @@
           <p:cNvPr id="3" name="Espaço Reservado para Conteúdo 2">
             <a:extLst>
               <a:ext uri="{FF2B5EF4-FFF2-40B4-BE49-F238E27FC236}">
-                <a16:creationId xmlns:a16="http://schemas.microsoft.com/office/drawing/2014/main" id="{D26D6231-6041-4477-BB5E-D6CBB51DE5C1}"/>
+                <a16:creationId xmlns:a16="http://schemas.microsoft.com/office/drawing/2014/main" xmlns="" id="{D26D6231-6041-4477-BB5E-D6CBB51DE5C1}"/>
               </a:ext>
             </a:extLst>
           </p:cNvPr>
@@ -5886,7 +5886,7 @@
           <p:cNvPr id="4" name="CaixaDeTexto 3">
             <a:extLst>
               <a:ext uri="{FF2B5EF4-FFF2-40B4-BE49-F238E27FC236}">
-                <a16:creationId xmlns:a16="http://schemas.microsoft.com/office/drawing/2014/main" id="{D9461310-DAE6-4C5F-8857-1CA8D7B4C873}"/>
+                <a16:creationId xmlns:a16="http://schemas.microsoft.com/office/drawing/2014/main" xmlns="" id="{D9461310-DAE6-4C5F-8857-1CA8D7B4C873}"/>
               </a:ext>
             </a:extLst>
           </p:cNvPr>
@@ -5973,7 +5973,7 @@
           <p:cNvPr id="5" name="Imagem 4">
             <a:extLst>
               <a:ext uri="{FF2B5EF4-FFF2-40B4-BE49-F238E27FC236}">
-                <a16:creationId xmlns:a16="http://schemas.microsoft.com/office/drawing/2014/main" id="{448F401E-03AD-4941-9F51-B419F3F476BB}"/>
+                <a16:creationId xmlns:a16="http://schemas.microsoft.com/office/drawing/2014/main" xmlns="" id="{448F401E-03AD-4941-9F51-B419F3F476BB}"/>
               </a:ext>
             </a:extLst>
           </p:cNvPr>
@@ -6033,7 +6033,7 @@
           <p:cNvPr id="2" name="Título 1">
             <a:extLst>
               <a:ext uri="{FF2B5EF4-FFF2-40B4-BE49-F238E27FC236}">
-                <a16:creationId xmlns:a16="http://schemas.microsoft.com/office/drawing/2014/main" id="{17E34C5E-0366-4A76-AAAB-6E87F283EC4F}"/>
+                <a16:creationId xmlns:a16="http://schemas.microsoft.com/office/drawing/2014/main" xmlns="" id="{17E34C5E-0366-4A76-AAAB-6E87F283EC4F}"/>
               </a:ext>
             </a:extLst>
           </p:cNvPr>
@@ -6061,7 +6061,7 @@
           <p:cNvPr id="3" name="Espaço Reservado para Conteúdo 2">
             <a:extLst>
               <a:ext uri="{FF2B5EF4-FFF2-40B4-BE49-F238E27FC236}">
-                <a16:creationId xmlns:a16="http://schemas.microsoft.com/office/drawing/2014/main" id="{3AA453CF-8F18-4D02-95BE-47B22480E8AD}"/>
+                <a16:creationId xmlns:a16="http://schemas.microsoft.com/office/drawing/2014/main" xmlns="" id="{3AA453CF-8F18-4D02-95BE-47B22480E8AD}"/>
               </a:ext>
             </a:extLst>
           </p:cNvPr>
@@ -6086,7 +6086,7 @@
           <p:cNvPr id="4" name="Imagem 3">
             <a:extLst>
               <a:ext uri="{FF2B5EF4-FFF2-40B4-BE49-F238E27FC236}">
-                <a16:creationId xmlns:a16="http://schemas.microsoft.com/office/drawing/2014/main" id="{DBDDBBFB-834A-4002-B37F-5354637966EF}"/>
+                <a16:creationId xmlns:a16="http://schemas.microsoft.com/office/drawing/2014/main" xmlns="" id="{DBDDBBFB-834A-4002-B37F-5354637966EF}"/>
               </a:ext>
             </a:extLst>
           </p:cNvPr>
@@ -6116,7 +6116,7 @@
           <p:cNvPr id="5" name="Imagem 4">
             <a:extLst>
               <a:ext uri="{FF2B5EF4-FFF2-40B4-BE49-F238E27FC236}">
-                <a16:creationId xmlns:a16="http://schemas.microsoft.com/office/drawing/2014/main" id="{86921B47-65AC-4AD4-A844-A9CFE0E25E78}"/>
+                <a16:creationId xmlns:a16="http://schemas.microsoft.com/office/drawing/2014/main" xmlns="" id="{86921B47-65AC-4AD4-A844-A9CFE0E25E78}"/>
               </a:ext>
             </a:extLst>
           </p:cNvPr>
@@ -6176,7 +6176,7 @@
           <p:cNvPr id="2" name="Título 1">
             <a:extLst>
               <a:ext uri="{FF2B5EF4-FFF2-40B4-BE49-F238E27FC236}">
-                <a16:creationId xmlns:a16="http://schemas.microsoft.com/office/drawing/2014/main" id="{3AD08319-6D73-41EC-9351-6EEF2CCAA77B}"/>
+                <a16:creationId xmlns:a16="http://schemas.microsoft.com/office/drawing/2014/main" xmlns="" id="{3AD08319-6D73-41EC-9351-6EEF2CCAA77B}"/>
               </a:ext>
             </a:extLst>
           </p:cNvPr>
@@ -6204,7 +6204,7 @@
           <p:cNvPr id="3" name="Espaço Reservado para Conteúdo 2">
             <a:extLst>
               <a:ext uri="{FF2B5EF4-FFF2-40B4-BE49-F238E27FC236}">
-                <a16:creationId xmlns:a16="http://schemas.microsoft.com/office/drawing/2014/main" id="{58AA3E69-6620-41F3-8F0D-5ABAC139D7EE}"/>
+                <a16:creationId xmlns:a16="http://schemas.microsoft.com/office/drawing/2014/main" xmlns="" id="{58AA3E69-6620-41F3-8F0D-5ABAC139D7EE}"/>
               </a:ext>
             </a:extLst>
           </p:cNvPr>
@@ -6229,7 +6229,7 @@
           <p:cNvPr id="4" name="Imagem 3">
             <a:extLst>
               <a:ext uri="{FF2B5EF4-FFF2-40B4-BE49-F238E27FC236}">
-                <a16:creationId xmlns:a16="http://schemas.microsoft.com/office/drawing/2014/main" id="{1601541F-9EF4-4D33-9AD8-6476C203CB20}"/>
+                <a16:creationId xmlns:a16="http://schemas.microsoft.com/office/drawing/2014/main" xmlns="" id="{1601541F-9EF4-4D33-9AD8-6476C203CB20}"/>
               </a:ext>
             </a:extLst>
           </p:cNvPr>
@@ -6259,7 +6259,7 @@
           <p:cNvPr id="5" name="Imagem 4">
             <a:extLst>
               <a:ext uri="{FF2B5EF4-FFF2-40B4-BE49-F238E27FC236}">
-                <a16:creationId xmlns:a16="http://schemas.microsoft.com/office/drawing/2014/main" id="{E9DB50B8-CE9B-4299-A6F5-3584E6F4CD74}"/>
+                <a16:creationId xmlns:a16="http://schemas.microsoft.com/office/drawing/2014/main" xmlns="" id="{E9DB50B8-CE9B-4299-A6F5-3584E6F4CD74}"/>
               </a:ext>
             </a:extLst>
           </p:cNvPr>
@@ -6319,7 +6319,7 @@
           <p:cNvPr id="6" name="CaixaDeTexto 5">
             <a:extLst>
               <a:ext uri="{FF2B5EF4-FFF2-40B4-BE49-F238E27FC236}">
-                <a16:creationId xmlns:a16="http://schemas.microsoft.com/office/drawing/2014/main" id="{765E9170-7A3E-4989-97A8-4613C3B7BCA8}"/>
+                <a16:creationId xmlns:a16="http://schemas.microsoft.com/office/drawing/2014/main" xmlns="" id="{765E9170-7A3E-4989-97A8-4613C3B7BCA8}"/>
               </a:ext>
             </a:extLst>
           </p:cNvPr>
@@ -6387,7 +6387,7 @@
           <p:cNvPr id="2" name="Título 1">
             <a:extLst>
               <a:ext uri="{FF2B5EF4-FFF2-40B4-BE49-F238E27FC236}">
-                <a16:creationId xmlns:a16="http://schemas.microsoft.com/office/drawing/2014/main" id="{1DED6C41-652D-44EE-85E1-C238BB106D41}"/>
+                <a16:creationId xmlns:a16="http://schemas.microsoft.com/office/drawing/2014/main" xmlns="" id="{1DED6C41-652D-44EE-85E1-C238BB106D41}"/>
               </a:ext>
             </a:extLst>
           </p:cNvPr>
@@ -6415,7 +6415,7 @@
           <p:cNvPr id="4" name="Espaço Reservado para Conteúdo 3">
             <a:extLst>
               <a:ext uri="{FF2B5EF4-FFF2-40B4-BE49-F238E27FC236}">
-                <a16:creationId xmlns:a16="http://schemas.microsoft.com/office/drawing/2014/main" id="{61A87725-E43A-42BC-840F-291056CCD160}"/>
+                <a16:creationId xmlns:a16="http://schemas.microsoft.com/office/drawing/2014/main" xmlns="" id="{61A87725-E43A-42BC-840F-291056CCD160}"/>
               </a:ext>
             </a:extLst>
           </p:cNvPr>
@@ -6447,7 +6447,7 @@
           <p:cNvPr id="5" name="CaixaDeTexto 4">
             <a:extLst>
               <a:ext uri="{FF2B5EF4-FFF2-40B4-BE49-F238E27FC236}">
-                <a16:creationId xmlns:a16="http://schemas.microsoft.com/office/drawing/2014/main" id="{81BB72AE-4DCB-414E-A064-B7B3A24E3A7B}"/>
+                <a16:creationId xmlns:a16="http://schemas.microsoft.com/office/drawing/2014/main" xmlns="" id="{81BB72AE-4DCB-414E-A064-B7B3A24E3A7B}"/>
               </a:ext>
             </a:extLst>
           </p:cNvPr>
@@ -6585,7 +6585,7 @@
           <p:cNvPr id="2" name="Título 1">
             <a:extLst>
               <a:ext uri="{FF2B5EF4-FFF2-40B4-BE49-F238E27FC236}">
-                <a16:creationId xmlns:a16="http://schemas.microsoft.com/office/drawing/2014/main" id="{0B25B320-2B6A-41D9-879D-0BF8E270F399}"/>
+                <a16:creationId xmlns:a16="http://schemas.microsoft.com/office/drawing/2014/main" xmlns="" id="{0B25B320-2B6A-41D9-879D-0BF8E270F399}"/>
               </a:ext>
             </a:extLst>
           </p:cNvPr>
@@ -6613,7 +6613,7 @@
           <p:cNvPr id="3" name="Espaço Reservado para Conteúdo 2">
             <a:extLst>
               <a:ext uri="{FF2B5EF4-FFF2-40B4-BE49-F238E27FC236}">
-                <a16:creationId xmlns:a16="http://schemas.microsoft.com/office/drawing/2014/main" id="{442F8FC5-CE1B-49BC-BA66-5C8C4B64E4E0}"/>
+                <a16:creationId xmlns:a16="http://schemas.microsoft.com/office/drawing/2014/main" xmlns="" id="{442F8FC5-CE1B-49BC-BA66-5C8C4B64E4E0}"/>
               </a:ext>
             </a:extLst>
           </p:cNvPr>
@@ -6638,7 +6638,7 @@
           <p:cNvPr id="5" name="Imagem 4">
             <a:extLst>
               <a:ext uri="{FF2B5EF4-FFF2-40B4-BE49-F238E27FC236}">
-                <a16:creationId xmlns:a16="http://schemas.microsoft.com/office/drawing/2014/main" id="{AAAF99EF-D92C-4050-9589-10300A044A2A}"/>
+                <a16:creationId xmlns:a16="http://schemas.microsoft.com/office/drawing/2014/main" xmlns="" id="{AAAF99EF-D92C-4050-9589-10300A044A2A}"/>
               </a:ext>
             </a:extLst>
           </p:cNvPr>
@@ -6698,7 +6698,7 @@
           <p:cNvPr id="2" name="Título 1">
             <a:extLst>
               <a:ext uri="{FF2B5EF4-FFF2-40B4-BE49-F238E27FC236}">
-                <a16:creationId xmlns:a16="http://schemas.microsoft.com/office/drawing/2014/main" id="{B486C69B-63DC-4F7D-A737-1C8AEB5F41BA}"/>
+                <a16:creationId xmlns:a16="http://schemas.microsoft.com/office/drawing/2014/main" xmlns="" id="{B486C69B-63DC-4F7D-A737-1C8AEB5F41BA}"/>
               </a:ext>
             </a:extLst>
           </p:cNvPr>
@@ -6726,7 +6726,7 @@
           <p:cNvPr id="3" name="Espaço Reservado para Conteúdo 2">
             <a:extLst>
               <a:ext uri="{FF2B5EF4-FFF2-40B4-BE49-F238E27FC236}">
-                <a16:creationId xmlns:a16="http://schemas.microsoft.com/office/drawing/2014/main" id="{B9657672-C7F1-42AC-AB3B-383CE1B36196}"/>
+                <a16:creationId xmlns:a16="http://schemas.microsoft.com/office/drawing/2014/main" xmlns="" id="{B9657672-C7F1-42AC-AB3B-383CE1B36196}"/>
               </a:ext>
             </a:extLst>
           </p:cNvPr>
@@ -6751,7 +6751,7 @@
           <p:cNvPr id="4" name="Imagem 3">
             <a:extLst>
               <a:ext uri="{FF2B5EF4-FFF2-40B4-BE49-F238E27FC236}">
-                <a16:creationId xmlns:a16="http://schemas.microsoft.com/office/drawing/2014/main" id="{154A9CBE-BE93-4138-AACB-CA022627A9EB}"/>
+                <a16:creationId xmlns:a16="http://schemas.microsoft.com/office/drawing/2014/main" xmlns="" id="{154A9CBE-BE93-4138-AACB-CA022627A9EB}"/>
               </a:ext>
             </a:extLst>
           </p:cNvPr>
@@ -6811,7 +6811,7 @@
           <p:cNvPr id="2" name="Título 1">
             <a:extLst>
               <a:ext uri="{FF2B5EF4-FFF2-40B4-BE49-F238E27FC236}">
-                <a16:creationId xmlns:a16="http://schemas.microsoft.com/office/drawing/2014/main" id="{4766DF6E-65ED-4AA4-A1E0-DA0EBE2B5AE0}"/>
+                <a16:creationId xmlns:a16="http://schemas.microsoft.com/office/drawing/2014/main" xmlns="" id="{4766DF6E-65ED-4AA4-A1E0-DA0EBE2B5AE0}"/>
               </a:ext>
             </a:extLst>
           </p:cNvPr>
@@ -6839,7 +6839,7 @@
           <p:cNvPr id="4" name="Espaço Reservado para Conteúdo 3">
             <a:extLst>
               <a:ext uri="{FF2B5EF4-FFF2-40B4-BE49-F238E27FC236}">
-                <a16:creationId xmlns:a16="http://schemas.microsoft.com/office/drawing/2014/main" id="{7DDA1000-4589-4A4D-816E-91A3C70DEB01}"/>
+                <a16:creationId xmlns:a16="http://schemas.microsoft.com/office/drawing/2014/main" xmlns="" id="{7DDA1000-4589-4A4D-816E-91A3C70DEB01}"/>
               </a:ext>
             </a:extLst>
           </p:cNvPr>
@@ -6901,7 +6901,7 @@
           <p:cNvPr id="2" name="Título 1">
             <a:extLst>
               <a:ext uri="{FF2B5EF4-FFF2-40B4-BE49-F238E27FC236}">
-                <a16:creationId xmlns:a16="http://schemas.microsoft.com/office/drawing/2014/main" id="{CB1253F6-22EC-4B6D-B73D-245372A3C968}"/>
+                <a16:creationId xmlns:a16="http://schemas.microsoft.com/office/drawing/2014/main" xmlns="" id="{CB1253F6-22EC-4B6D-B73D-245372A3C968}"/>
               </a:ext>
             </a:extLst>
           </p:cNvPr>
@@ -6934,7 +6934,7 @@
           <p:cNvPr id="6" name="Imagem 5">
             <a:extLst>
               <a:ext uri="{FF2B5EF4-FFF2-40B4-BE49-F238E27FC236}">
-                <a16:creationId xmlns:a16="http://schemas.microsoft.com/office/drawing/2014/main" id="{5DB2DB6F-0FA6-4105-BB3E-ECB4A98418B9}"/>
+                <a16:creationId xmlns:a16="http://schemas.microsoft.com/office/drawing/2014/main" xmlns="" id="{5DB2DB6F-0FA6-4105-BB3E-ECB4A98418B9}"/>
               </a:ext>
             </a:extLst>
           </p:cNvPr>
@@ -6994,7 +6994,7 @@
           <p:cNvPr id="2" name="Título 1">
             <a:extLst>
               <a:ext uri="{FF2B5EF4-FFF2-40B4-BE49-F238E27FC236}">
-                <a16:creationId xmlns:a16="http://schemas.microsoft.com/office/drawing/2014/main" id="{CB1253F6-22EC-4B6D-B73D-245372A3C968}"/>
+                <a16:creationId xmlns:a16="http://schemas.microsoft.com/office/drawing/2014/main" xmlns="" id="{CB1253F6-22EC-4B6D-B73D-245372A3C968}"/>
               </a:ext>
             </a:extLst>
           </p:cNvPr>
@@ -7027,7 +7027,7 @@
           <p:cNvPr id="3" name="Imagem 2">
             <a:extLst>
               <a:ext uri="{FF2B5EF4-FFF2-40B4-BE49-F238E27FC236}">
-                <a16:creationId xmlns:a16="http://schemas.microsoft.com/office/drawing/2014/main" id="{2C1D25DA-6C0F-4569-9460-27DBBD3CA1AD}"/>
+                <a16:creationId xmlns:a16="http://schemas.microsoft.com/office/drawing/2014/main" xmlns="" id="{2C1D25DA-6C0F-4569-9460-27DBBD3CA1AD}"/>
               </a:ext>
             </a:extLst>
           </p:cNvPr>
@@ -7087,7 +7087,7 @@
           <p:cNvPr id="2" name="Título 1">
             <a:extLst>
               <a:ext uri="{FF2B5EF4-FFF2-40B4-BE49-F238E27FC236}">
-                <a16:creationId xmlns:a16="http://schemas.microsoft.com/office/drawing/2014/main" id="{B1101042-8D52-4C82-B062-772AB72C0A79}"/>
+                <a16:creationId xmlns:a16="http://schemas.microsoft.com/office/drawing/2014/main" xmlns="" id="{B1101042-8D52-4C82-B062-772AB72C0A79}"/>
               </a:ext>
             </a:extLst>
           </p:cNvPr>
@@ -7110,31 +7110,35 @@
           </a:p>
         </p:txBody>
       </p:sp>
-      <p:sp>
-        <p:nvSpPr>
-          <p:cNvPr id="3" name="Espaço Reservado para Conteúdo 2">
+      <p:pic>
+        <p:nvPicPr>
+          <p:cNvPr id="4" name="Espaço Reservado para Conteúdo 3"/>
+          <p:cNvPicPr>
+            <a:picLocks noGrp="1" noChangeAspect="1"/>
+          </p:cNvPicPr>
+          <p:nvPr>
+            <p:ph idx="1"/>
+          </p:nvPr>
+        </p:nvPicPr>
+        <p:blipFill>
+          <a:blip r:embed="rId2">
             <a:extLst>
-              <a:ext uri="{FF2B5EF4-FFF2-40B4-BE49-F238E27FC236}">
-                <a16:creationId xmlns:a16="http://schemas.microsoft.com/office/drawing/2014/main" id="{66676F0F-069F-4D7A-BE4C-06A323F96F6F}"/>
+              <a:ext uri="{28A0092B-C50C-407E-A947-70E740481C1C}">
+                <a14:useLocalDpi xmlns:a14="http://schemas.microsoft.com/office/drawing/2010/main" val="0"/>
               </a:ext>
             </a:extLst>
-          </p:cNvPr>
-          <p:cNvSpPr>
-            <a:spLocks noGrp="1"/>
-          </p:cNvSpPr>
-          <p:nvPr>
-            <p:ph idx="1"/>
-          </p:nvPr>
-        </p:nvSpPr>
-        <p:spPr/>
-        <p:txBody>
-          <a:bodyPr/>
-          <a:lstStyle/>
-          <a:p>
-            <a:endParaRPr lang="pt-BR"/>
-          </a:p>
-        </p:txBody>
-      </p:sp>
+          </a:blip>
+          <a:stretch>
+            <a:fillRect/>
+          </a:stretch>
+        </p:blipFill>
+        <p:spPr>
+          <a:xfrm>
+            <a:off x="3420417" y="1912750"/>
+            <a:ext cx="5923607" cy="4949146"/>
+          </a:xfrm>
+        </p:spPr>
+      </p:pic>
     </p:spTree>
     <p:extLst>
       <p:ext uri="{BB962C8B-B14F-4D97-AF65-F5344CB8AC3E}">
@@ -7170,7 +7174,7 @@
           <p:cNvPr id="2" name="Título 1">
             <a:extLst>
               <a:ext uri="{FF2B5EF4-FFF2-40B4-BE49-F238E27FC236}">
-                <a16:creationId xmlns:a16="http://schemas.microsoft.com/office/drawing/2014/main" id="{0E6AE7C7-429C-4D82-8706-252C85520487}"/>
+                <a16:creationId xmlns:a16="http://schemas.microsoft.com/office/drawing/2014/main" xmlns="" id="{0E6AE7C7-429C-4D82-8706-252C85520487}"/>
               </a:ext>
             </a:extLst>
           </p:cNvPr>
@@ -7198,7 +7202,7 @@
           <p:cNvPr id="5" name="Espaço Reservado para Conteúdo 4">
             <a:extLst>
               <a:ext uri="{FF2B5EF4-FFF2-40B4-BE49-F238E27FC236}">
-                <a16:creationId xmlns:a16="http://schemas.microsoft.com/office/drawing/2014/main" id="{807BAEDD-DE30-48BC-8A49-DE2D5EE5238C}"/>
+                <a16:creationId xmlns:a16="http://schemas.microsoft.com/office/drawing/2014/main" xmlns="" id="{807BAEDD-DE30-48BC-8A49-DE2D5EE5238C}"/>
               </a:ext>
             </a:extLst>
           </p:cNvPr>
@@ -7227,7 +7231,7 @@
           <p:cNvPr id="6" name="CaixaDeTexto 5">
             <a:extLst>
               <a:ext uri="{FF2B5EF4-FFF2-40B4-BE49-F238E27FC236}">
-                <a16:creationId xmlns:a16="http://schemas.microsoft.com/office/drawing/2014/main" id="{C160C0C3-5559-495B-81FB-1B383D394E48}"/>
+                <a16:creationId xmlns:a16="http://schemas.microsoft.com/office/drawing/2014/main" xmlns="" id="{C160C0C3-5559-495B-81FB-1B383D394E48}"/>
               </a:ext>
             </a:extLst>
           </p:cNvPr>
@@ -7348,7 +7352,7 @@
     </a:clrScheme>
     <a:fontScheme name="Quotable">
       <a:majorFont>
-        <a:latin typeface="Century Gothic" panose="020B0502020202020204"/>
+        <a:latin typeface="Century Gothic"/>
         <a:ea typeface=""/>
         <a:cs typeface=""/>
         <a:font script="Jpan" typeface="ＭＳ ゴシック"/>
@@ -7383,7 +7387,7 @@
         <a:font script="Geor" typeface="Sylfaen"/>
       </a:majorFont>
       <a:minorFont>
-        <a:latin typeface="Century Gothic" panose="020B0502020202020204"/>
+        <a:latin typeface="Century Gothic"/>
         <a:ea typeface=""/>
         <a:cs typeface=""/>
         <a:font script="Jpan" typeface="ＭＳ ゴシック"/>
@@ -7536,7 +7540,7 @@
   <a:extraClrSchemeLst/>
   <a:extLst>
     <a:ext uri="{05A4C25C-085E-4340-85A3-A5531E510DB2}">
-      <thm15:themeFamily xmlns:thm15="http://schemas.microsoft.com/office/thememl/2012/main" name="Quotable" id="{39EC5628-30ED-4578-ACD8-9820EDB8E15A}" vid="{6F3559E9-1A4C-49D8-94D4-F41003531C49}"/>
+      <thm15:themeFamily xmlns:thm15="http://schemas.microsoft.com/office/thememl/2012/main" xmlns="" name="Quotable" id="{39EC5628-30ED-4578-ACD8-9820EDB8E15A}" vid="{6F3559E9-1A4C-49D8-94D4-F41003531C49}"/>
     </a:ext>
   </a:extLst>
 </a:theme>
